--- a/slides/1_introduction.pptx
+++ b/slides/1_introduction.pptx
@@ -5,31 +5,35 @@
     <p:sldMasterId id="2147483648" r:id="rId1"/>
   </p:sldMasterIdLst>
   <p:notesMasterIdLst>
-    <p:notesMasterId r:id="rId21"/>
+    <p:notesMasterId r:id="rId25"/>
   </p:notesMasterIdLst>
   <p:handoutMasterIdLst>
-    <p:handoutMasterId r:id="rId22"/>
+    <p:handoutMasterId r:id="rId26"/>
   </p:handoutMasterIdLst>
   <p:sldIdLst>
     <p:sldId id="451" r:id="rId2"/>
-    <p:sldId id="437" r:id="rId3"/>
-    <p:sldId id="433" r:id="rId4"/>
-    <p:sldId id="282" r:id="rId5"/>
-    <p:sldId id="290" r:id="rId6"/>
-    <p:sldId id="435" r:id="rId7"/>
-    <p:sldId id="436" r:id="rId8"/>
-    <p:sldId id="296" r:id="rId9"/>
-    <p:sldId id="297" r:id="rId10"/>
-    <p:sldId id="298" r:id="rId11"/>
-    <p:sldId id="286" r:id="rId12"/>
-    <p:sldId id="287" r:id="rId13"/>
-    <p:sldId id="288" r:id="rId14"/>
-    <p:sldId id="289" r:id="rId15"/>
-    <p:sldId id="434" r:id="rId16"/>
-    <p:sldId id="292" r:id="rId17"/>
-    <p:sldId id="293" r:id="rId18"/>
-    <p:sldId id="294" r:id="rId19"/>
-    <p:sldId id="295" r:id="rId20"/>
+    <p:sldId id="454" r:id="rId3"/>
+    <p:sldId id="455" r:id="rId4"/>
+    <p:sldId id="456" r:id="rId5"/>
+    <p:sldId id="453" r:id="rId6"/>
+    <p:sldId id="437" r:id="rId7"/>
+    <p:sldId id="433" r:id="rId8"/>
+    <p:sldId id="282" r:id="rId9"/>
+    <p:sldId id="290" r:id="rId10"/>
+    <p:sldId id="435" r:id="rId11"/>
+    <p:sldId id="436" r:id="rId12"/>
+    <p:sldId id="296" r:id="rId13"/>
+    <p:sldId id="297" r:id="rId14"/>
+    <p:sldId id="298" r:id="rId15"/>
+    <p:sldId id="286" r:id="rId16"/>
+    <p:sldId id="287" r:id="rId17"/>
+    <p:sldId id="288" r:id="rId18"/>
+    <p:sldId id="289" r:id="rId19"/>
+    <p:sldId id="434" r:id="rId20"/>
+    <p:sldId id="292" r:id="rId21"/>
+    <p:sldId id="293" r:id="rId22"/>
+    <p:sldId id="294" r:id="rId23"/>
+    <p:sldId id="295" r:id="rId24"/>
   </p:sldIdLst>
   <p:sldSz cx="12192000" cy="6858000"/>
   <p:notesSz cx="7104063" cy="10234613"/>
@@ -136,12 +140,20 @@
 </p:presentation>
 </file>
 
+<file path=ppt/revisionInfo.xml><?xml version="1.0" encoding="utf-8"?>
+<p1510:revInfo xmlns:a="http://schemas.openxmlformats.org/drawingml/2006/main" xmlns:r="http://schemas.openxmlformats.org/officeDocument/2006/relationships" xmlns:p1510="http://schemas.microsoft.com/office/powerpoint/2015/10/main">
+  <p1510:revLst>
+    <p1510:client id="{041F02E4-1C86-410C-8C49-9D8993A6F0B5}" v="33" dt="2024-11-23T10:08:09.959"/>
+  </p1510:revLst>
+</p1510:revInfo>
+</file>
+
 <file path=ppt/changesInfos/changesInfo1.xml><?xml version="1.0" encoding="utf-8"?>
 <pc:chgInfo xmlns:a="http://schemas.openxmlformats.org/drawingml/2006/main" xmlns:r="http://schemas.openxmlformats.org/officeDocument/2006/relationships" xmlns:ac="http://schemas.microsoft.com/office/drawing/2013/main/command" xmlns:pc="http://schemas.microsoft.com/office/powerpoint/2013/main/command">
   <pc:docChgLst>
     <pc:chgData name="Robbin Bouwmeester" userId="1dbfebabfc25a55a" providerId="LiveId" clId="{041F02E4-1C86-410C-8C49-9D8993A6F0B5}"/>
-    <pc:docChg chg="custSel modSld">
-      <pc:chgData name="Robbin Bouwmeester" userId="1dbfebabfc25a55a" providerId="LiveId" clId="{041F02E4-1C86-410C-8C49-9D8993A6F0B5}" dt="2024-11-16T15:35:48.922" v="25" actId="478"/>
+    <pc:docChg chg="undo custSel addSld delSld modSld sldOrd">
+      <pc:chgData name="Robbin Bouwmeester" userId="1dbfebabfc25a55a" providerId="LiveId" clId="{041F02E4-1C86-410C-8C49-9D8993A6F0B5}" dt="2024-11-23T10:09:18.752" v="458" actId="1037"/>
       <pc:docMkLst>
         <pc:docMk/>
       </pc:docMkLst>
@@ -703,8 +715,8 @@
           </ac:cxnSpMkLst>
         </pc:cxnChg>
       </pc:sldChg>
-      <pc:sldChg chg="delSp mod">
-        <pc:chgData name="Robbin Bouwmeester" userId="1dbfebabfc25a55a" providerId="LiveId" clId="{041F02E4-1C86-410C-8C49-9D8993A6F0B5}" dt="2024-11-16T15:34:03.221" v="2" actId="478"/>
+      <pc:sldChg chg="delSp mod ord">
+        <pc:chgData name="Robbin Bouwmeester" userId="1dbfebabfc25a55a" providerId="LiveId" clId="{041F02E4-1C86-410C-8C49-9D8993A6F0B5}" dt="2024-11-22T14:21:58.363" v="32"/>
         <pc:sldMkLst>
           <pc:docMk/>
           <pc:sldMk cId="1283438972" sldId="451"/>
@@ -733,6 +745,313 @@
             <ac:cxnSpMk id="7" creationId="{65478846-33A6-DDE6-EBD4-FC27BB99B62B}"/>
           </ac:cxnSpMkLst>
         </pc:cxnChg>
+      </pc:sldChg>
+      <pc:sldChg chg="new del">
+        <pc:chgData name="Robbin Bouwmeester" userId="1dbfebabfc25a55a" providerId="LiveId" clId="{041F02E4-1C86-410C-8C49-9D8993A6F0B5}" dt="2024-11-22T14:21:52.684" v="29" actId="47"/>
+        <pc:sldMkLst>
+          <pc:docMk/>
+          <pc:sldMk cId="1806360760" sldId="452"/>
+        </pc:sldMkLst>
+      </pc:sldChg>
+      <pc:sldChg chg="addSp delSp modSp add mod">
+        <pc:chgData name="Robbin Bouwmeester" userId="1dbfebabfc25a55a" providerId="LiveId" clId="{041F02E4-1C86-410C-8C49-9D8993A6F0B5}" dt="2024-11-22T14:27:47.257" v="214" actId="6549"/>
+        <pc:sldMkLst>
+          <pc:docMk/>
+          <pc:sldMk cId="4094409220" sldId="453"/>
+        </pc:sldMkLst>
+        <pc:spChg chg="del">
+          <ac:chgData name="Robbin Bouwmeester" userId="1dbfebabfc25a55a" providerId="LiveId" clId="{041F02E4-1C86-410C-8C49-9D8993A6F0B5}" dt="2024-11-22T14:25:16.159" v="196" actId="478"/>
+          <ac:spMkLst>
+            <pc:docMk/>
+            <pc:sldMk cId="4094409220" sldId="453"/>
+            <ac:spMk id="3" creationId="{9B2BCC24-995E-8465-6313-77E67D32F217}"/>
+          </ac:spMkLst>
+        </pc:spChg>
+        <pc:spChg chg="add mod">
+          <ac:chgData name="Robbin Bouwmeester" userId="1dbfebabfc25a55a" providerId="LiveId" clId="{041F02E4-1C86-410C-8C49-9D8993A6F0B5}" dt="2024-11-22T14:25:14.365" v="195" actId="1035"/>
+          <ac:spMkLst>
+            <pc:docMk/>
+            <pc:sldMk cId="4094409220" sldId="453"/>
+            <ac:spMk id="4" creationId="{62507225-6384-F90B-C1D7-4C970D58957A}"/>
+          </ac:spMkLst>
+        </pc:spChg>
+        <pc:spChg chg="mod">
+          <ac:chgData name="Robbin Bouwmeester" userId="1dbfebabfc25a55a" providerId="LiveId" clId="{041F02E4-1C86-410C-8C49-9D8993A6F0B5}" dt="2024-11-22T14:22:40.023" v="97" actId="20577"/>
+          <ac:spMkLst>
+            <pc:docMk/>
+            <pc:sldMk cId="4094409220" sldId="453"/>
+            <ac:spMk id="5" creationId="{9173B5CA-144A-04F8-25DF-C73ADD8D4BAD}"/>
+          </ac:spMkLst>
+        </pc:spChg>
+        <pc:spChg chg="add mod">
+          <ac:chgData name="Robbin Bouwmeester" userId="1dbfebabfc25a55a" providerId="LiveId" clId="{041F02E4-1C86-410C-8C49-9D8993A6F0B5}" dt="2024-11-22T14:27:47.257" v="214" actId="6549"/>
+          <ac:spMkLst>
+            <pc:docMk/>
+            <pc:sldMk cId="4094409220" sldId="453"/>
+            <ac:spMk id="7" creationId="{9F154ED7-5677-5398-A9ED-BE7A7CD40634}"/>
+          </ac:spMkLst>
+        </pc:spChg>
+        <pc:picChg chg="del">
+          <ac:chgData name="Robbin Bouwmeester" userId="1dbfebabfc25a55a" providerId="LiveId" clId="{041F02E4-1C86-410C-8C49-9D8993A6F0B5}" dt="2024-11-22T14:21:49.785" v="28" actId="478"/>
+          <ac:picMkLst>
+            <pc:docMk/>
+            <pc:sldMk cId="4094409220" sldId="453"/>
+            <ac:picMk id="2" creationId="{4BDDE860-7DAE-8075-17E9-E2AE0587AF31}"/>
+          </ac:picMkLst>
+        </pc:picChg>
+      </pc:sldChg>
+      <pc:sldChg chg="addSp delSp modSp new mod">
+        <pc:chgData name="Robbin Bouwmeester" userId="1dbfebabfc25a55a" providerId="LiveId" clId="{041F02E4-1C86-410C-8C49-9D8993A6F0B5}" dt="2024-11-23T10:02:51.300" v="301" actId="1036"/>
+        <pc:sldMkLst>
+          <pc:docMk/>
+          <pc:sldMk cId="214735984" sldId="454"/>
+        </pc:sldMkLst>
+        <pc:spChg chg="add mod topLvl">
+          <ac:chgData name="Robbin Bouwmeester" userId="1dbfebabfc25a55a" providerId="LiveId" clId="{041F02E4-1C86-410C-8C49-9D8993A6F0B5}" dt="2024-11-23T10:02:51.300" v="301" actId="1036"/>
+          <ac:spMkLst>
+            <pc:docMk/>
+            <pc:sldMk cId="214735984" sldId="454"/>
+            <ac:spMk id="8" creationId="{BC8EE329-2BA9-93AF-23A9-DFF5FADF7943}"/>
+          </ac:spMkLst>
+        </pc:spChg>
+        <pc:spChg chg="add mod topLvl">
+          <ac:chgData name="Robbin Bouwmeester" userId="1dbfebabfc25a55a" providerId="LiveId" clId="{041F02E4-1C86-410C-8C49-9D8993A6F0B5}" dt="2024-11-23T10:02:51.300" v="301" actId="1036"/>
+          <ac:spMkLst>
+            <pc:docMk/>
+            <pc:sldMk cId="214735984" sldId="454"/>
+            <ac:spMk id="10" creationId="{8D2D4809-F56E-963F-3AEC-6376D1FC2767}"/>
+          </ac:spMkLst>
+        </pc:spChg>
+        <pc:spChg chg="add mod topLvl">
+          <ac:chgData name="Robbin Bouwmeester" userId="1dbfebabfc25a55a" providerId="LiveId" clId="{041F02E4-1C86-410C-8C49-9D8993A6F0B5}" dt="2024-11-23T10:02:51.300" v="301" actId="1036"/>
+          <ac:spMkLst>
+            <pc:docMk/>
+            <pc:sldMk cId="214735984" sldId="454"/>
+            <ac:spMk id="12" creationId="{23D570C5-1D42-BF95-5A5A-FAE102CAB429}"/>
+          </ac:spMkLst>
+        </pc:spChg>
+        <pc:grpChg chg="add mod">
+          <ac:chgData name="Robbin Bouwmeester" userId="1dbfebabfc25a55a" providerId="LiveId" clId="{041F02E4-1C86-410C-8C49-9D8993A6F0B5}" dt="2024-11-23T10:02:51.300" v="301" actId="1036"/>
+          <ac:grpSpMkLst>
+            <pc:docMk/>
+            <pc:sldMk cId="214735984" sldId="454"/>
+            <ac:grpSpMk id="6" creationId="{95502A6F-CD21-FDBB-644D-E71CCA5C5B6A}"/>
+          </ac:grpSpMkLst>
+        </pc:grpChg>
+        <pc:grpChg chg="add del mod">
+          <ac:chgData name="Robbin Bouwmeester" userId="1dbfebabfc25a55a" providerId="LiveId" clId="{041F02E4-1C86-410C-8C49-9D8993A6F0B5}" dt="2024-11-23T10:02:35.785" v="273" actId="165"/>
+          <ac:grpSpMkLst>
+            <pc:docMk/>
+            <pc:sldMk cId="214735984" sldId="454"/>
+            <ac:grpSpMk id="13" creationId="{C735A6BF-2D11-8DB3-DA12-5E5416DA2C78}"/>
+          </ac:grpSpMkLst>
+        </pc:grpChg>
+        <pc:grpChg chg="add del mod">
+          <ac:chgData name="Robbin Bouwmeester" userId="1dbfebabfc25a55a" providerId="LiveId" clId="{041F02E4-1C86-410C-8C49-9D8993A6F0B5}" dt="2024-11-23T10:02:35.785" v="273" actId="165"/>
+          <ac:grpSpMkLst>
+            <pc:docMk/>
+            <pc:sldMk cId="214735984" sldId="454"/>
+            <ac:grpSpMk id="14" creationId="{1B9E49AD-CB18-C6FF-54BF-4FE9F912AD6B}"/>
+          </ac:grpSpMkLst>
+        </pc:grpChg>
+        <pc:grpChg chg="add del mod">
+          <ac:chgData name="Robbin Bouwmeester" userId="1dbfebabfc25a55a" providerId="LiveId" clId="{041F02E4-1C86-410C-8C49-9D8993A6F0B5}" dt="2024-11-23T10:02:35.785" v="273" actId="165"/>
+          <ac:grpSpMkLst>
+            <pc:docMk/>
+            <pc:sldMk cId="214735984" sldId="454"/>
+            <ac:grpSpMk id="15" creationId="{6AF61F15-B395-3CBD-D02E-8324E5BD3AD5}"/>
+          </ac:grpSpMkLst>
+        </pc:grpChg>
+        <pc:picChg chg="add mod">
+          <ac:chgData name="Robbin Bouwmeester" userId="1dbfebabfc25a55a" providerId="LiveId" clId="{041F02E4-1C86-410C-8C49-9D8993A6F0B5}" dt="2024-11-23T09:59:17.190" v="225" actId="164"/>
+          <ac:picMkLst>
+            <pc:docMk/>
+            <pc:sldMk cId="214735984" sldId="454"/>
+            <ac:picMk id="3" creationId="{935B8F77-F18F-D1C2-F672-7665CCD3BA8C}"/>
+          </ac:picMkLst>
+        </pc:picChg>
+        <pc:picChg chg="add mod">
+          <ac:chgData name="Robbin Bouwmeester" userId="1dbfebabfc25a55a" providerId="LiveId" clId="{041F02E4-1C86-410C-8C49-9D8993A6F0B5}" dt="2024-11-23T09:59:17.190" v="225" actId="164"/>
+          <ac:picMkLst>
+            <pc:docMk/>
+            <pc:sldMk cId="214735984" sldId="454"/>
+            <ac:picMk id="5" creationId="{95F6C3DD-C26A-1F6E-C58F-DE1C4EDBC145}"/>
+          </ac:picMkLst>
+        </pc:picChg>
+        <pc:picChg chg="add mod topLvl">
+          <ac:chgData name="Robbin Bouwmeester" userId="1dbfebabfc25a55a" providerId="LiveId" clId="{041F02E4-1C86-410C-8C49-9D8993A6F0B5}" dt="2024-11-23T10:02:51.300" v="301" actId="1036"/>
+          <ac:picMkLst>
+            <pc:docMk/>
+            <pc:sldMk cId="214735984" sldId="454"/>
+            <ac:picMk id="7" creationId="{CDEDDAE3-7CA5-CDFB-B18F-2A3AC1A6750E}"/>
+          </ac:picMkLst>
+        </pc:picChg>
+        <pc:picChg chg="add mod topLvl">
+          <ac:chgData name="Robbin Bouwmeester" userId="1dbfebabfc25a55a" providerId="LiveId" clId="{041F02E4-1C86-410C-8C49-9D8993A6F0B5}" dt="2024-11-23T10:02:51.300" v="301" actId="1036"/>
+          <ac:picMkLst>
+            <pc:docMk/>
+            <pc:sldMk cId="214735984" sldId="454"/>
+            <ac:picMk id="9" creationId="{E9B058CC-4ECF-CE94-348A-440B9D85CAA9}"/>
+          </ac:picMkLst>
+        </pc:picChg>
+        <pc:picChg chg="add mod topLvl">
+          <ac:chgData name="Robbin Bouwmeester" userId="1dbfebabfc25a55a" providerId="LiveId" clId="{041F02E4-1C86-410C-8C49-9D8993A6F0B5}" dt="2024-11-23T10:02:51.300" v="301" actId="1036"/>
+          <ac:picMkLst>
+            <pc:docMk/>
+            <pc:sldMk cId="214735984" sldId="454"/>
+            <ac:picMk id="11" creationId="{62F7912B-3579-F86A-AEEB-4607B29ECEDB}"/>
+          </ac:picMkLst>
+        </pc:picChg>
+      </pc:sldChg>
+      <pc:sldChg chg="addSp delSp modSp add mod">
+        <pc:chgData name="Robbin Bouwmeester" userId="1dbfebabfc25a55a" providerId="LiveId" clId="{041F02E4-1C86-410C-8C49-9D8993A6F0B5}" dt="2024-11-23T10:03:07.273" v="302"/>
+        <pc:sldMkLst>
+          <pc:docMk/>
+          <pc:sldMk cId="2581905949" sldId="455"/>
+        </pc:sldMkLst>
+        <pc:spChg chg="add mod">
+          <ac:chgData name="Robbin Bouwmeester" userId="1dbfebabfc25a55a" providerId="LiveId" clId="{041F02E4-1C86-410C-8C49-9D8993A6F0B5}" dt="2024-11-23T10:03:07.273" v="302"/>
+          <ac:spMkLst>
+            <pc:docMk/>
+            <pc:sldMk cId="2581905949" sldId="455"/>
+            <ac:spMk id="13" creationId="{C4B1A02B-CD6F-4999-5FF8-348D3111E971}"/>
+          </ac:spMkLst>
+        </pc:spChg>
+        <pc:spChg chg="add mod">
+          <ac:chgData name="Robbin Bouwmeester" userId="1dbfebabfc25a55a" providerId="LiveId" clId="{041F02E4-1C86-410C-8C49-9D8993A6F0B5}" dt="2024-11-23T10:03:07.273" v="302"/>
+          <ac:spMkLst>
+            <pc:docMk/>
+            <pc:sldMk cId="2581905949" sldId="455"/>
+            <ac:spMk id="15" creationId="{55C3EBA1-19FF-7033-F524-C2B83616B391}"/>
+          </ac:spMkLst>
+        </pc:spChg>
+        <pc:spChg chg="add mod">
+          <ac:chgData name="Robbin Bouwmeester" userId="1dbfebabfc25a55a" providerId="LiveId" clId="{041F02E4-1C86-410C-8C49-9D8993A6F0B5}" dt="2024-11-23T10:03:07.273" v="302"/>
+          <ac:spMkLst>
+            <pc:docMk/>
+            <pc:sldMk cId="2581905949" sldId="455"/>
+            <ac:spMk id="17" creationId="{18A8BFD0-C9DA-F371-A49B-9C8E4C967E16}"/>
+          </ac:spMkLst>
+        </pc:spChg>
+        <pc:grpChg chg="del">
+          <ac:chgData name="Robbin Bouwmeester" userId="1dbfebabfc25a55a" providerId="LiveId" clId="{041F02E4-1C86-410C-8C49-9D8993A6F0B5}" dt="2024-11-23T09:59:51.309" v="229" actId="478"/>
+          <ac:grpSpMkLst>
+            <pc:docMk/>
+            <pc:sldMk cId="2581905949" sldId="455"/>
+            <ac:grpSpMk id="6" creationId="{66728BB4-4E74-5B59-1B7D-58D114EFAF6F}"/>
+          </ac:grpSpMkLst>
+        </pc:grpChg>
+        <pc:grpChg chg="add mod">
+          <ac:chgData name="Robbin Bouwmeester" userId="1dbfebabfc25a55a" providerId="LiveId" clId="{041F02E4-1C86-410C-8C49-9D8993A6F0B5}" dt="2024-11-23T10:00:37.499" v="245" actId="1076"/>
+          <ac:grpSpMkLst>
+            <pc:docMk/>
+            <pc:sldMk cId="2581905949" sldId="455"/>
+            <ac:grpSpMk id="11" creationId="{2DD8E7E2-05EB-22DB-4BDA-34D2829459F7}"/>
+          </ac:grpSpMkLst>
+        </pc:grpChg>
+        <pc:picChg chg="add del mod">
+          <ac:chgData name="Robbin Bouwmeester" userId="1dbfebabfc25a55a" providerId="LiveId" clId="{041F02E4-1C86-410C-8C49-9D8993A6F0B5}" dt="2024-11-23T10:00:04.788" v="237" actId="22"/>
+          <ac:picMkLst>
+            <pc:docMk/>
+            <pc:sldMk cId="2581905949" sldId="455"/>
+            <ac:picMk id="4" creationId="{B1DC5C94-669E-7896-CD71-29CEA39DA2E8}"/>
+          </ac:picMkLst>
+        </pc:picChg>
+        <pc:picChg chg="add mod">
+          <ac:chgData name="Robbin Bouwmeester" userId="1dbfebabfc25a55a" providerId="LiveId" clId="{041F02E4-1C86-410C-8C49-9D8993A6F0B5}" dt="2024-11-23T10:00:28.328" v="242" actId="164"/>
+          <ac:picMkLst>
+            <pc:docMk/>
+            <pc:sldMk cId="2581905949" sldId="455"/>
+            <ac:picMk id="8" creationId="{4BF576C6-046F-837E-D8E4-E01A1152FBCF}"/>
+          </ac:picMkLst>
+        </pc:picChg>
+        <pc:picChg chg="add mod">
+          <ac:chgData name="Robbin Bouwmeester" userId="1dbfebabfc25a55a" providerId="LiveId" clId="{041F02E4-1C86-410C-8C49-9D8993A6F0B5}" dt="2024-11-23T10:00:28.328" v="242" actId="164"/>
+          <ac:picMkLst>
+            <pc:docMk/>
+            <pc:sldMk cId="2581905949" sldId="455"/>
+            <ac:picMk id="10" creationId="{14EC0CC2-EC53-DB2B-324D-6505F8F7F7F9}"/>
+          </ac:picMkLst>
+        </pc:picChg>
+        <pc:picChg chg="add mod">
+          <ac:chgData name="Robbin Bouwmeester" userId="1dbfebabfc25a55a" providerId="LiveId" clId="{041F02E4-1C86-410C-8C49-9D8993A6F0B5}" dt="2024-11-23T10:03:07.273" v="302"/>
+          <ac:picMkLst>
+            <pc:docMk/>
+            <pc:sldMk cId="2581905949" sldId="455"/>
+            <ac:picMk id="12" creationId="{D2775E50-408D-5695-80C4-C256EFE1F9C1}"/>
+          </ac:picMkLst>
+        </pc:picChg>
+        <pc:picChg chg="add mod">
+          <ac:chgData name="Robbin Bouwmeester" userId="1dbfebabfc25a55a" providerId="LiveId" clId="{041F02E4-1C86-410C-8C49-9D8993A6F0B5}" dt="2024-11-23T10:03:07.273" v="302"/>
+          <ac:picMkLst>
+            <pc:docMk/>
+            <pc:sldMk cId="2581905949" sldId="455"/>
+            <ac:picMk id="14" creationId="{71E978F3-B98E-2918-3D09-36ABA5153049}"/>
+          </ac:picMkLst>
+        </pc:picChg>
+        <pc:picChg chg="add mod">
+          <ac:chgData name="Robbin Bouwmeester" userId="1dbfebabfc25a55a" providerId="LiveId" clId="{041F02E4-1C86-410C-8C49-9D8993A6F0B5}" dt="2024-11-23T10:03:07.273" v="302"/>
+          <ac:picMkLst>
+            <pc:docMk/>
+            <pc:sldMk cId="2581905949" sldId="455"/>
+            <ac:picMk id="16" creationId="{741B6705-84D3-9270-74D3-666765F469F6}"/>
+          </ac:picMkLst>
+        </pc:picChg>
+      </pc:sldChg>
+      <pc:sldChg chg="addSp modSp new mod">
+        <pc:chgData name="Robbin Bouwmeester" userId="1dbfebabfc25a55a" providerId="LiveId" clId="{041F02E4-1C86-410C-8C49-9D8993A6F0B5}" dt="2024-11-23T10:09:18.752" v="458" actId="1037"/>
+        <pc:sldMkLst>
+          <pc:docMk/>
+          <pc:sldMk cId="879029159" sldId="456"/>
+        </pc:sldMkLst>
+        <pc:spChg chg="add mod ord">
+          <ac:chgData name="Robbin Bouwmeester" userId="1dbfebabfc25a55a" providerId="LiveId" clId="{041F02E4-1C86-410C-8C49-9D8993A6F0B5}" dt="2024-11-23T10:08:49.439" v="416" actId="1035"/>
+          <ac:spMkLst>
+            <pc:docMk/>
+            <pc:sldMk cId="879029159" sldId="456"/>
+            <ac:spMk id="5" creationId="{A9A0E7E0-E5EE-EA42-F320-91B5E5F28900}"/>
+          </ac:spMkLst>
+        </pc:spChg>
+        <pc:spChg chg="add mod">
+          <ac:chgData name="Robbin Bouwmeester" userId="1dbfebabfc25a55a" providerId="LiveId" clId="{041F02E4-1C86-410C-8C49-9D8993A6F0B5}" dt="2024-11-23T10:09:18.752" v="458" actId="1037"/>
+          <ac:spMkLst>
+            <pc:docMk/>
+            <pc:sldMk cId="879029159" sldId="456"/>
+            <ac:spMk id="10" creationId="{8DEF412F-3B21-4756-13AF-BED7AF1B9BD5}"/>
+          </ac:spMkLst>
+        </pc:spChg>
+        <pc:grpChg chg="add mod ord">
+          <ac:chgData name="Robbin Bouwmeester" userId="1dbfebabfc25a55a" providerId="LiveId" clId="{041F02E4-1C86-410C-8C49-9D8993A6F0B5}" dt="2024-11-23T10:09:18.752" v="458" actId="1037"/>
+          <ac:grpSpMkLst>
+            <pc:docMk/>
+            <pc:sldMk cId="879029159" sldId="456"/>
+            <ac:grpSpMk id="8" creationId="{F1A814AB-F110-E9F2-90BB-8DB6BF223EE8}"/>
+          </ac:grpSpMkLst>
+        </pc:grpChg>
+        <pc:picChg chg="add mod">
+          <ac:chgData name="Robbin Bouwmeester" userId="1dbfebabfc25a55a" providerId="LiveId" clId="{041F02E4-1C86-410C-8C49-9D8993A6F0B5}" dt="2024-11-23T10:09:09.818" v="449" actId="1037"/>
+          <ac:picMkLst>
+            <pc:docMk/>
+            <pc:sldMk cId="879029159" sldId="456"/>
+            <ac:picMk id="3" creationId="{BE5FFAC2-8F45-9268-FAF9-0F2188F2A3F5}"/>
+          </ac:picMkLst>
+        </pc:picChg>
+        <pc:picChg chg="add mod">
+          <ac:chgData name="Robbin Bouwmeester" userId="1dbfebabfc25a55a" providerId="LiveId" clId="{041F02E4-1C86-410C-8C49-9D8993A6F0B5}" dt="2024-11-23T10:06:52.028" v="351" actId="164"/>
+          <ac:picMkLst>
+            <pc:docMk/>
+            <pc:sldMk cId="879029159" sldId="456"/>
+            <ac:picMk id="7" creationId="{E19533C9-8C1B-0E2C-3CF9-AA57FCBDB2DB}"/>
+          </ac:picMkLst>
+        </pc:picChg>
+        <pc:picChg chg="add mod ord modCrop">
+          <ac:chgData name="Robbin Bouwmeester" userId="1dbfebabfc25a55a" providerId="LiveId" clId="{041F02E4-1C86-410C-8C49-9D8993A6F0B5}" dt="2024-11-23T10:09:18.752" v="458" actId="1037"/>
+          <ac:picMkLst>
+            <pc:docMk/>
+            <pc:sldMk cId="879029159" sldId="456"/>
+            <ac:picMk id="12" creationId="{E540D33B-0067-9C99-73FD-09F00B340B76}"/>
+          </ac:picMkLst>
+        </pc:picChg>
       </pc:sldChg>
     </pc:docChg>
   </pc:docChgLst>
@@ -1005,7 +1324,7 @@
           <a:p>
             <a:fld id="{855A244C-9F30-4C83-A8DE-CCD8ECA97FB4}" type="datetimeFigureOut">
               <a:rPr lang="en-US" smtClean="0"/>
-              <a:t>11/16/2024</a:t>
+              <a:t>11/23/2024</a:t>
             </a:fld>
             <a:endParaRPr lang="en-US"/>
           </a:p>
@@ -1170,7 +1489,7 @@
           <a:p>
             <a:fld id="{60BDB998-4A18-4804-8747-3DD07DA81E2F}" type="datetimeFigureOut">
               <a:rPr lang="nl-NL" smtClean="0"/>
-              <a:t>16-11-2024</a:t>
+              <a:t>23-11-2024</a:t>
             </a:fld>
             <a:endParaRPr lang="nl-NL"/>
           </a:p>
@@ -1503,7 +1822,7 @@
           <a:p>
             <a:fld id="{04016DE9-CA4A-4D53-B0D8-48C51F824710}" type="slidenum">
               <a:rPr lang="nl-NL" smtClean="0"/>
-              <a:t>3</a:t>
+              <a:t>7</a:t>
             </a:fld>
             <a:endParaRPr lang="nl-NL"/>
           </a:p>
@@ -1587,7 +1906,7 @@
           <a:p>
             <a:fld id="{04016DE9-CA4A-4D53-B0D8-48C51F824710}" type="slidenum">
               <a:rPr lang="nl-NL" smtClean="0"/>
-              <a:t>4</a:t>
+              <a:t>8</a:t>
             </a:fld>
             <a:endParaRPr lang="nl-NL"/>
           </a:p>
@@ -1671,7 +1990,7 @@
           <a:p>
             <a:fld id="{04016DE9-CA4A-4D53-B0D8-48C51F824710}" type="slidenum">
               <a:rPr lang="nl-NL" smtClean="0"/>
-              <a:t>8</a:t>
+              <a:t>12</a:t>
             </a:fld>
             <a:endParaRPr lang="nl-NL"/>
           </a:p>
@@ -1755,7 +2074,7 @@
           <a:p>
             <a:fld id="{04016DE9-CA4A-4D53-B0D8-48C51F824710}" type="slidenum">
               <a:rPr lang="nl-NL" smtClean="0"/>
-              <a:t>9</a:t>
+              <a:t>13</a:t>
             </a:fld>
             <a:endParaRPr lang="nl-NL"/>
           </a:p>
@@ -1843,7 +2162,7 @@
           <a:p>
             <a:fld id="{04016DE9-CA4A-4D53-B0D8-48C51F824710}" type="slidenum">
               <a:rPr lang="nl-NL" smtClean="0"/>
-              <a:t>10</a:t>
+              <a:t>14</a:t>
             </a:fld>
             <a:endParaRPr lang="nl-NL"/>
           </a:p>
@@ -1927,7 +2246,7 @@
           <a:p>
             <a:fld id="{04016DE9-CA4A-4D53-B0D8-48C51F824710}" type="slidenum">
               <a:rPr lang="nl-NL" smtClean="0"/>
-              <a:t>15</a:t>
+              <a:t>19</a:t>
             </a:fld>
             <a:endParaRPr lang="nl-NL"/>
           </a:p>
@@ -2077,7 +2396,7 @@
           <a:p>
             <a:fld id="{32F25B71-03B9-4F2E-8002-FAA5F7C59FD1}" type="datetimeFigureOut">
               <a:rPr lang="nl-NL" smtClean="0"/>
-              <a:t>16-11-2024</a:t>
+              <a:t>23-11-2024</a:t>
             </a:fld>
             <a:endParaRPr lang="nl-NL"/>
           </a:p>
@@ -2247,7 +2566,7 @@
           <a:p>
             <a:fld id="{32F25B71-03B9-4F2E-8002-FAA5F7C59FD1}" type="datetimeFigureOut">
               <a:rPr lang="nl-NL" smtClean="0"/>
-              <a:t>16-11-2024</a:t>
+              <a:t>23-11-2024</a:t>
             </a:fld>
             <a:endParaRPr lang="nl-NL"/>
           </a:p>
@@ -2427,7 +2746,7 @@
           <a:p>
             <a:fld id="{32F25B71-03B9-4F2E-8002-FAA5F7C59FD1}" type="datetimeFigureOut">
               <a:rPr lang="nl-NL" smtClean="0"/>
-              <a:t>16-11-2024</a:t>
+              <a:t>23-11-2024</a:t>
             </a:fld>
             <a:endParaRPr lang="nl-NL"/>
           </a:p>
@@ -2597,7 +2916,7 @@
           <a:p>
             <a:fld id="{32F25B71-03B9-4F2E-8002-FAA5F7C59FD1}" type="datetimeFigureOut">
               <a:rPr lang="nl-NL" smtClean="0"/>
-              <a:t>16-11-2024</a:t>
+              <a:t>23-11-2024</a:t>
             </a:fld>
             <a:endParaRPr lang="nl-NL"/>
           </a:p>
@@ -2843,7 +3162,7 @@
           <a:p>
             <a:fld id="{32F25B71-03B9-4F2E-8002-FAA5F7C59FD1}" type="datetimeFigureOut">
               <a:rPr lang="nl-NL" smtClean="0"/>
-              <a:t>16-11-2024</a:t>
+              <a:t>23-11-2024</a:t>
             </a:fld>
             <a:endParaRPr lang="nl-NL"/>
           </a:p>
@@ -3075,7 +3394,7 @@
           <a:p>
             <a:fld id="{32F25B71-03B9-4F2E-8002-FAA5F7C59FD1}" type="datetimeFigureOut">
               <a:rPr lang="nl-NL" smtClean="0"/>
-              <a:t>16-11-2024</a:t>
+              <a:t>23-11-2024</a:t>
             </a:fld>
             <a:endParaRPr lang="nl-NL"/>
           </a:p>
@@ -3442,7 +3761,7 @@
           <a:p>
             <a:fld id="{32F25B71-03B9-4F2E-8002-FAA5F7C59FD1}" type="datetimeFigureOut">
               <a:rPr lang="nl-NL" smtClean="0"/>
-              <a:t>16-11-2024</a:t>
+              <a:t>23-11-2024</a:t>
             </a:fld>
             <a:endParaRPr lang="nl-NL"/>
           </a:p>
@@ -3560,7 +3879,7 @@
           <a:p>
             <a:fld id="{32F25B71-03B9-4F2E-8002-FAA5F7C59FD1}" type="datetimeFigureOut">
               <a:rPr lang="nl-NL" smtClean="0"/>
-              <a:t>16-11-2024</a:t>
+              <a:t>23-11-2024</a:t>
             </a:fld>
             <a:endParaRPr lang="nl-NL"/>
           </a:p>
@@ -3655,7 +3974,7 @@
           <a:p>
             <a:fld id="{32F25B71-03B9-4F2E-8002-FAA5F7C59FD1}" type="datetimeFigureOut">
               <a:rPr lang="nl-NL" smtClean="0"/>
-              <a:t>16-11-2024</a:t>
+              <a:t>23-11-2024</a:t>
             </a:fld>
             <a:endParaRPr lang="nl-NL"/>
           </a:p>
@@ -3932,7 +4251,7 @@
           <a:p>
             <a:fld id="{32F25B71-03B9-4F2E-8002-FAA5F7C59FD1}" type="datetimeFigureOut">
               <a:rPr lang="nl-NL" smtClean="0"/>
-              <a:t>16-11-2024</a:t>
+              <a:t>23-11-2024</a:t>
             </a:fld>
             <a:endParaRPr lang="nl-NL"/>
           </a:p>
@@ -4185,7 +4504,7 @@
           <a:p>
             <a:fld id="{32F25B71-03B9-4F2E-8002-FAA5F7C59FD1}" type="datetimeFigureOut">
               <a:rPr lang="nl-NL" smtClean="0"/>
-              <a:t>16-11-2024</a:t>
+              <a:t>23-11-2024</a:t>
             </a:fld>
             <a:endParaRPr lang="nl-NL"/>
           </a:p>
@@ -4398,7 +4717,7 @@
           <a:p>
             <a:fld id="{32F25B71-03B9-4F2E-8002-FAA5F7C59FD1}" type="datetimeFigureOut">
               <a:rPr lang="nl-NL" smtClean="0"/>
-              <a:t>16-11-2024</a:t>
+              <a:t>23-11-2024</a:t>
             </a:fld>
             <a:endParaRPr lang="nl-NL"/>
           </a:p>
@@ -5030,88 +5349,16 @@
           <a:chExt cx="0" cy="0"/>
         </a:xfrm>
       </p:grpSpPr>
-      <p:pic>
-        <p:nvPicPr>
-          <p:cNvPr id="5" name="Picture 4"/>
-          <p:cNvPicPr>
-            <a:picLocks noChangeAspect="1"/>
-          </p:cNvPicPr>
-          <p:nvPr/>
-        </p:nvPicPr>
-        <p:blipFill>
-          <a:blip r:embed="rId3"/>
-          <a:stretch>
-            <a:fillRect/>
-          </a:stretch>
-        </p:blipFill>
-        <p:spPr>
-          <a:xfrm rot="16200000">
-            <a:off x="-270828" y="3080702"/>
-            <a:ext cx="1933575" cy="523875"/>
-          </a:xfrm>
-          <a:prstGeom prst="rect">
-            <a:avLst/>
-          </a:prstGeom>
-        </p:spPr>
-      </p:pic>
-      <p:pic>
-        <p:nvPicPr>
-          <p:cNvPr id="6" name="Picture 5"/>
-          <p:cNvPicPr>
-            <a:picLocks noChangeAspect="1"/>
-          </p:cNvPicPr>
-          <p:nvPr/>
-        </p:nvPicPr>
-        <p:blipFill>
-          <a:blip r:embed="rId4"/>
-          <a:stretch>
-            <a:fillRect/>
-          </a:stretch>
-        </p:blipFill>
-        <p:spPr>
-          <a:xfrm>
-            <a:off x="2391727" y="5697855"/>
-            <a:ext cx="1952625" cy="609600"/>
-          </a:xfrm>
-          <a:prstGeom prst="rect">
-            <a:avLst/>
-          </a:prstGeom>
-        </p:spPr>
-      </p:pic>
-      <p:pic>
-        <p:nvPicPr>
-          <p:cNvPr id="3" name="Picture 2"/>
-          <p:cNvPicPr>
-            <a:picLocks noChangeAspect="1"/>
-          </p:cNvPicPr>
-          <p:nvPr/>
-        </p:nvPicPr>
-        <p:blipFill>
-          <a:blip r:embed="rId5"/>
-          <a:stretch>
-            <a:fillRect/>
-          </a:stretch>
-        </p:blipFill>
-        <p:spPr>
-          <a:xfrm>
-            <a:off x="1040129" y="1292225"/>
-            <a:ext cx="4838700" cy="4476750"/>
-          </a:xfrm>
-          <a:prstGeom prst="rect">
-            <a:avLst/>
-          </a:prstGeom>
-        </p:spPr>
-      </p:pic>
-      <p:sp>
-        <p:nvSpPr>
-          <p:cNvPr id="7" name="TextBox 6"/>
+      <p:sp>
+        <p:nvSpPr>
+          <p:cNvPr id="5" name="TextBox 4"/>
           <p:cNvSpPr txBox="1"/>
           <p:nvPr/>
         </p:nvSpPr>
         <p:spPr>
           <a:xfrm>
-            <a:off x="5878828" y="2287042"/>
-            <a:ext cx="4569865" cy="3416320"/>
+            <a:off x="665480" y="5152430"/>
+            <a:ext cx="7021389" cy="923330"/>
           </a:xfrm>
           <a:prstGeom prst="rect">
             <a:avLst/>
@@ -5125,51 +5372,14 @@
           <a:lstStyle/>
           <a:p>
             <a:r>
-              <a:rPr lang="nl-NL" dirty="0"/>
-              <a:t>model that classifies all images as malignant: TPR=1 and FPR=1</a:t>
-            </a:r>
-          </a:p>
-          <a:p>
-            <a:endParaRPr lang="nl-NL" dirty="0">
-              <a:latin typeface="Calibri" panose="020F0502020204030204" pitchFamily="34" charset="0"/>
-            </a:endParaRPr>
-          </a:p>
-          <a:p>
-            <a:r>
-              <a:rPr lang="en-US" dirty="0"/>
-              <a:t>model that classifies all images a benign: TPR=0 and FPR=0</a:t>
-            </a:r>
-          </a:p>
-          <a:p>
-            <a:endParaRPr lang="en-US" dirty="0">
-              <a:latin typeface="Calibri" panose="020F0502020204030204" pitchFamily="34" charset="0"/>
-            </a:endParaRPr>
-          </a:p>
-          <a:p>
-            <a:r>
-              <a:rPr lang="en-US" dirty="0">
+              <a:rPr lang="en-GB" dirty="0">
                 <a:latin typeface="Calibri" panose="020F0502020204030204" pitchFamily="34" charset="0"/>
               </a:rPr>
-              <a:t>vary threshold </a:t>
-            </a:r>
-            <a:r>
-              <a:rPr lang="en-US" i="1" dirty="0">
-                <a:latin typeface="Calibri" panose="020F0502020204030204" pitchFamily="34" charset="0"/>
-              </a:rPr>
-              <a:t>t</a:t>
-            </a:r>
-          </a:p>
-          <a:p>
-            <a:endParaRPr lang="en-US" i="1" dirty="0">
-              <a:latin typeface="Calibri" panose="020F0502020204030204" pitchFamily="34" charset="0"/>
-            </a:endParaRPr>
-          </a:p>
-          <a:p>
-            <a:r>
-              <a:rPr lang="en-US" dirty="0">
-                <a:latin typeface="Calibri" panose="020F0502020204030204" pitchFamily="34" charset="0"/>
-              </a:rPr>
-              <a:t>Area Under the Curve (AUC)</a:t>
+              <a:t>feature: eccentricity of lesion (</a:t>
+            </a:r>
+            <a:r>
+              <a:rPr lang="en-US" dirty="0"/>
+              <a:t>how nearly circular the lesion is)</a:t>
             </a:r>
             <a:endParaRPr lang="en-GB" dirty="0">
               <a:latin typeface="Calibri" panose="020F0502020204030204" pitchFamily="34" charset="0"/>
@@ -5185,97 +5395,105 @@
             </a:endParaRPr>
           </a:p>
           <a:p>
-            <a:pPr marL="285750" indent="-285750">
-              <a:buFont typeface="Courier New" panose="02070309020205020404" pitchFamily="49" charset="0"/>
-              <a:buChar char="o"/>
-            </a:pPr>
-            <a:endParaRPr lang="en-GB" dirty="0">
-              <a:latin typeface="Calibri" panose="020F0502020204030204" pitchFamily="34" charset="0"/>
-            </a:endParaRPr>
-          </a:p>
-          <a:p>
-            <a:pPr marL="285750" indent="-285750">
-              <a:buFont typeface="Courier New" panose="02070309020205020404" pitchFamily="49" charset="0"/>
-              <a:buChar char="o"/>
-            </a:pPr>
-            <a:endParaRPr lang="en-GB" dirty="0">
-              <a:latin typeface="Calibri" panose="020F0502020204030204" pitchFamily="34" charset="0"/>
+            <a:r>
+              <a:rPr lang="en-GB" dirty="0">
+                <a:latin typeface="Calibri" panose="020F0502020204030204" pitchFamily="34" charset="0"/>
+              </a:rPr>
+              <a:t>model: threshold </a:t>
+            </a:r>
+            <a:r>
+              <a:rPr lang="en-GB" b="1" i="1" dirty="0">
+                <a:latin typeface="Calibri" panose="020F0502020204030204" pitchFamily="34" charset="0"/>
+              </a:rPr>
+              <a:t>t</a:t>
+            </a:r>
+          </a:p>
+        </p:txBody>
+      </p:sp>
+      <p:sp>
+        <p:nvSpPr>
+          <p:cNvPr id="6" name="TextBox 5">
+            <a:extLst>
+              <a:ext uri="{FF2B5EF4-FFF2-40B4-BE49-F238E27FC236}">
+                <a16:creationId xmlns:a16="http://schemas.microsoft.com/office/drawing/2014/main" id="{68443D0D-8496-2DA2-7478-793026AF98D0}"/>
+              </a:ext>
+            </a:extLst>
+          </p:cNvPr>
+          <p:cNvSpPr txBox="1"/>
+          <p:nvPr/>
+        </p:nvSpPr>
+        <p:spPr>
+          <a:xfrm>
+            <a:off x="241301" y="129804"/>
+            <a:ext cx="11747500" cy="523220"/>
+          </a:xfrm>
+          <a:prstGeom prst="rect">
+            <a:avLst/>
+          </a:prstGeom>
+          <a:noFill/>
+        </p:spPr>
+        <p:txBody>
+          <a:bodyPr wrap="square" rtlCol="0">
+            <a:spAutoFit/>
+          </a:bodyPr>
+          <a:lstStyle/>
+          <a:p>
+            <a:r>
+              <a:rPr lang="en-US" sz="2800" dirty="0">
+                <a:latin typeface="+mj-lt"/>
+                <a:ea typeface="Lato" panose="020B0604020202020204" pitchFamily="34" charset="0"/>
+                <a:cs typeface="Helvetica" panose="020B0604020202020204" pitchFamily="34" charset="0"/>
+              </a:rPr>
+              <a:t>classification: the model</a:t>
+            </a:r>
+            <a:endParaRPr lang="en-GB" sz="2800" dirty="0">
+              <a:latin typeface="+mj-lt"/>
+              <a:ea typeface="Lato" panose="020B0604020202020204" pitchFamily="34" charset="0"/>
+              <a:cs typeface="Helvetica" panose="020B0604020202020204" pitchFamily="34" charset="0"/>
             </a:endParaRPr>
           </a:p>
         </p:txBody>
       </p:sp>
       <p:pic>
         <p:nvPicPr>
-          <p:cNvPr id="8" name="Picture 7"/>
+          <p:cNvPr id="10" name="Picture 9" descr="Chart, histogram&#10;&#10;Description automatically generated">
+            <a:extLst>
+              <a:ext uri="{FF2B5EF4-FFF2-40B4-BE49-F238E27FC236}">
+                <a16:creationId xmlns:a16="http://schemas.microsoft.com/office/drawing/2014/main" id="{7B8BDCAF-AD1F-6E30-5E10-FB87AB07CE29}"/>
+              </a:ext>
+            </a:extLst>
+          </p:cNvPr>
           <p:cNvPicPr>
             <a:picLocks noChangeAspect="1"/>
           </p:cNvPicPr>
           <p:nvPr/>
         </p:nvPicPr>
         <p:blipFill>
-          <a:blip r:embed="rId6"/>
+          <a:blip r:embed="rId2">
+            <a:extLst>
+              <a:ext uri="{28A0092B-C50C-407E-A947-70E740481C1C}">
+                <a14:useLocalDpi xmlns:a14="http://schemas.microsoft.com/office/drawing/2010/main" val="0"/>
+              </a:ext>
+            </a:extLst>
+          </a:blip>
           <a:stretch>
             <a:fillRect/>
           </a:stretch>
         </p:blipFill>
         <p:spPr>
           <a:xfrm>
-            <a:off x="3313641" y="5765900"/>
-            <a:ext cx="962032" cy="547692"/>
+            <a:off x="1211324" y="872755"/>
+            <a:ext cx="4151384" cy="4059944"/>
           </a:xfrm>
           <a:prstGeom prst="rect">
             <a:avLst/>
           </a:prstGeom>
         </p:spPr>
       </p:pic>
-      <p:sp>
-        <p:nvSpPr>
-          <p:cNvPr id="2" name="TextBox 1">
-            <a:extLst>
-              <a:ext uri="{FF2B5EF4-FFF2-40B4-BE49-F238E27FC236}">
-                <a16:creationId xmlns:a16="http://schemas.microsoft.com/office/drawing/2014/main" id="{5A76E75F-AF29-073B-57B2-4426C34E9D00}"/>
-              </a:ext>
-            </a:extLst>
-          </p:cNvPr>
-          <p:cNvSpPr txBox="1"/>
-          <p:nvPr/>
-        </p:nvSpPr>
-        <p:spPr>
-          <a:xfrm>
-            <a:off x="241301" y="129804"/>
-            <a:ext cx="11747500" cy="523220"/>
-          </a:xfrm>
-          <a:prstGeom prst="rect">
-            <a:avLst/>
-          </a:prstGeom>
-          <a:noFill/>
-        </p:spPr>
-        <p:txBody>
-          <a:bodyPr wrap="square" rtlCol="0">
-            <a:spAutoFit/>
-          </a:bodyPr>
-          <a:lstStyle/>
-          <a:p>
-            <a:r>
-              <a:rPr lang="en-US" sz="2800" dirty="0">
-                <a:latin typeface="+mj-lt"/>
-                <a:ea typeface="Lato" panose="020B0604020202020204" pitchFamily="34" charset="0"/>
-                <a:cs typeface="Helvetica" panose="020B0604020202020204" pitchFamily="34" charset="0"/>
-              </a:rPr>
-              <a:t>classification: prediction errors</a:t>
-            </a:r>
-            <a:endParaRPr lang="en-GB" sz="2800" dirty="0">
-              <a:latin typeface="+mj-lt"/>
-              <a:ea typeface="Lato" panose="020B0604020202020204" pitchFamily="34" charset="0"/>
-              <a:cs typeface="Helvetica" panose="020B0604020202020204" pitchFamily="34" charset="0"/>
-            </a:endParaRPr>
-          </a:p>
-        </p:txBody>
-      </p:sp>
     </p:spTree>
     <p:extLst>
       <p:ext uri="{BB962C8B-B14F-4D97-AF65-F5344CB8AC3E}">
-        <p14:creationId xmlns:p14="http://schemas.microsoft.com/office/powerpoint/2010/main" val="473295301"/>
+        <p14:creationId xmlns:p14="http://schemas.microsoft.com/office/powerpoint/2010/main" val="3806002295"/>
       </p:ext>
     </p:extLst>
   </p:cSld>
@@ -5304,6 +5522,985 @@
       </p:grpSpPr>
       <p:sp>
         <p:nvSpPr>
+          <p:cNvPr id="5" name="TextBox 4"/>
+          <p:cNvSpPr txBox="1"/>
+          <p:nvPr/>
+        </p:nvSpPr>
+        <p:spPr>
+          <a:xfrm>
+            <a:off x="665480" y="5152430"/>
+            <a:ext cx="7021389" cy="1200329"/>
+          </a:xfrm>
+          <a:prstGeom prst="rect">
+            <a:avLst/>
+          </a:prstGeom>
+          <a:noFill/>
+        </p:spPr>
+        <p:txBody>
+          <a:bodyPr wrap="square" rtlCol="0">
+            <a:spAutoFit/>
+          </a:bodyPr>
+          <a:lstStyle/>
+          <a:p>
+            <a:r>
+              <a:rPr lang="en-GB" dirty="0">
+                <a:latin typeface="Calibri" panose="020F0502020204030204" pitchFamily="34" charset="0"/>
+              </a:rPr>
+              <a:t>feature: eccentricity of lesion (</a:t>
+            </a:r>
+            <a:r>
+              <a:rPr lang="en-US" dirty="0"/>
+              <a:t>how nearly circular the lesion is)</a:t>
+            </a:r>
+            <a:endParaRPr lang="en-GB" dirty="0">
+              <a:latin typeface="Calibri" panose="020F0502020204030204" pitchFamily="34" charset="0"/>
+            </a:endParaRPr>
+          </a:p>
+          <a:p>
+            <a:pPr marL="285750" indent="-285750">
+              <a:buFont typeface="Courier New" panose="02070309020205020404" pitchFamily="49" charset="0"/>
+              <a:buChar char="o"/>
+            </a:pPr>
+            <a:endParaRPr lang="en-GB" dirty="0">
+              <a:latin typeface="Calibri" panose="020F0502020204030204" pitchFamily="34" charset="0"/>
+            </a:endParaRPr>
+          </a:p>
+          <a:p>
+            <a:r>
+              <a:rPr lang="en-GB" dirty="0">
+                <a:latin typeface="Calibri" panose="020F0502020204030204" pitchFamily="34" charset="0"/>
+              </a:rPr>
+              <a:t>model: threshold </a:t>
+            </a:r>
+            <a:r>
+              <a:rPr lang="en-GB" b="1" i="1" dirty="0">
+                <a:latin typeface="Calibri" panose="020F0502020204030204" pitchFamily="34" charset="0"/>
+              </a:rPr>
+              <a:t>t: </a:t>
+            </a:r>
+            <a:r>
+              <a:rPr lang="nl-NL" dirty="0" err="1">
+                <a:latin typeface="Calibri" panose="020F0502020204030204" pitchFamily="34" charset="0"/>
+              </a:rPr>
+              <a:t>consequence</a:t>
+            </a:r>
+            <a:r>
+              <a:rPr lang="nl-NL" dirty="0">
+                <a:latin typeface="Calibri" panose="020F0502020204030204" pitchFamily="34" charset="0"/>
+              </a:rPr>
+              <a:t> of </a:t>
+            </a:r>
+            <a:r>
+              <a:rPr lang="nl-NL" dirty="0" err="1">
+                <a:latin typeface="Calibri" panose="020F0502020204030204" pitchFamily="34" charset="0"/>
+              </a:rPr>
+              <a:t>the</a:t>
+            </a:r>
+            <a:r>
+              <a:rPr lang="nl-NL" dirty="0">
+                <a:latin typeface="Calibri" panose="020F0502020204030204" pitchFamily="34" charset="0"/>
+              </a:rPr>
+              <a:t> </a:t>
+            </a:r>
+            <a:r>
+              <a:rPr lang="nl-NL" dirty="0" err="1">
+                <a:latin typeface="Calibri" panose="020F0502020204030204" pitchFamily="34" charset="0"/>
+              </a:rPr>
+              <a:t>predictions</a:t>
+            </a:r>
+            <a:endParaRPr lang="en-GB" b="1" i="1" dirty="0">
+              <a:latin typeface="Calibri" panose="020F0502020204030204" pitchFamily="34" charset="0"/>
+            </a:endParaRPr>
+          </a:p>
+          <a:p>
+            <a:pPr marL="285750" indent="-285750">
+              <a:buFont typeface="Courier New" panose="02070309020205020404" pitchFamily="49" charset="0"/>
+              <a:buChar char="o"/>
+            </a:pPr>
+            <a:endParaRPr lang="en-GB" dirty="0">
+              <a:latin typeface="Calibri" panose="020F0502020204030204" pitchFamily="34" charset="0"/>
+            </a:endParaRPr>
+          </a:p>
+        </p:txBody>
+      </p:sp>
+      <p:sp>
+        <p:nvSpPr>
+          <p:cNvPr id="6" name="TextBox 5">
+            <a:extLst>
+              <a:ext uri="{FF2B5EF4-FFF2-40B4-BE49-F238E27FC236}">
+                <a16:creationId xmlns:a16="http://schemas.microsoft.com/office/drawing/2014/main" id="{68443D0D-8496-2DA2-7478-793026AF98D0}"/>
+              </a:ext>
+            </a:extLst>
+          </p:cNvPr>
+          <p:cNvSpPr txBox="1"/>
+          <p:nvPr/>
+        </p:nvSpPr>
+        <p:spPr>
+          <a:xfrm>
+            <a:off x="241301" y="129804"/>
+            <a:ext cx="11747500" cy="523220"/>
+          </a:xfrm>
+          <a:prstGeom prst="rect">
+            <a:avLst/>
+          </a:prstGeom>
+          <a:noFill/>
+        </p:spPr>
+        <p:txBody>
+          <a:bodyPr wrap="square" rtlCol="0">
+            <a:spAutoFit/>
+          </a:bodyPr>
+          <a:lstStyle/>
+          <a:p>
+            <a:r>
+              <a:rPr lang="en-US" sz="2800" dirty="0">
+                <a:latin typeface="+mj-lt"/>
+                <a:ea typeface="Lato" panose="020B0604020202020204" pitchFamily="34" charset="0"/>
+                <a:cs typeface="Helvetica" panose="020B0604020202020204" pitchFamily="34" charset="0"/>
+              </a:rPr>
+              <a:t>classification: the model</a:t>
+            </a:r>
+            <a:endParaRPr lang="en-GB" sz="2800" dirty="0">
+              <a:latin typeface="+mj-lt"/>
+              <a:ea typeface="Lato" panose="020B0604020202020204" pitchFamily="34" charset="0"/>
+              <a:cs typeface="Helvetica" panose="020B0604020202020204" pitchFamily="34" charset="0"/>
+            </a:endParaRPr>
+          </a:p>
+        </p:txBody>
+      </p:sp>
+      <p:pic>
+        <p:nvPicPr>
+          <p:cNvPr id="10" name="Picture 9" descr="Chart, histogram&#10;&#10;Description automatically generated">
+            <a:extLst>
+              <a:ext uri="{FF2B5EF4-FFF2-40B4-BE49-F238E27FC236}">
+                <a16:creationId xmlns:a16="http://schemas.microsoft.com/office/drawing/2014/main" id="{7B8BDCAF-AD1F-6E30-5E10-FB87AB07CE29}"/>
+              </a:ext>
+            </a:extLst>
+          </p:cNvPr>
+          <p:cNvPicPr>
+            <a:picLocks noChangeAspect="1"/>
+          </p:cNvPicPr>
+          <p:nvPr/>
+        </p:nvPicPr>
+        <p:blipFill>
+          <a:blip r:embed="rId2">
+            <a:extLst>
+              <a:ext uri="{28A0092B-C50C-407E-A947-70E740481C1C}">
+                <a14:useLocalDpi xmlns:a14="http://schemas.microsoft.com/office/drawing/2010/main" val="0"/>
+              </a:ext>
+            </a:extLst>
+          </a:blip>
+          <a:stretch>
+            <a:fillRect/>
+          </a:stretch>
+        </p:blipFill>
+        <p:spPr>
+          <a:xfrm>
+            <a:off x="1211324" y="872755"/>
+            <a:ext cx="4151384" cy="4059944"/>
+          </a:xfrm>
+          <a:prstGeom prst="rect">
+            <a:avLst/>
+          </a:prstGeom>
+        </p:spPr>
+      </p:pic>
+      <p:pic>
+        <p:nvPicPr>
+          <p:cNvPr id="12" name="Picture 11" descr="Chart, histogram&#10;&#10;Description automatically generated">
+            <a:extLst>
+              <a:ext uri="{FF2B5EF4-FFF2-40B4-BE49-F238E27FC236}">
+                <a16:creationId xmlns:a16="http://schemas.microsoft.com/office/drawing/2014/main" id="{C2758BCC-D9CA-3B75-854E-ADF5B1E81BA9}"/>
+              </a:ext>
+            </a:extLst>
+          </p:cNvPr>
+          <p:cNvPicPr>
+            <a:picLocks noChangeAspect="1"/>
+          </p:cNvPicPr>
+          <p:nvPr/>
+        </p:nvPicPr>
+        <p:blipFill>
+          <a:blip r:embed="rId3">
+            <a:extLst>
+              <a:ext uri="{28A0092B-C50C-407E-A947-70E740481C1C}">
+                <a14:useLocalDpi xmlns:a14="http://schemas.microsoft.com/office/drawing/2010/main" val="0"/>
+              </a:ext>
+            </a:extLst>
+          </a:blip>
+          <a:stretch>
+            <a:fillRect/>
+          </a:stretch>
+        </p:blipFill>
+        <p:spPr>
+          <a:xfrm>
+            <a:off x="6474953" y="872755"/>
+            <a:ext cx="4151384" cy="4059944"/>
+          </a:xfrm>
+          <a:prstGeom prst="rect">
+            <a:avLst/>
+          </a:prstGeom>
+        </p:spPr>
+      </p:pic>
+    </p:spTree>
+    <p:extLst>
+      <p:ext uri="{BB962C8B-B14F-4D97-AF65-F5344CB8AC3E}">
+        <p14:creationId xmlns:p14="http://schemas.microsoft.com/office/powerpoint/2010/main" val="2671981957"/>
+      </p:ext>
+    </p:extLst>
+  </p:cSld>
+  <p:clrMapOvr>
+    <a:masterClrMapping/>
+  </p:clrMapOvr>
+</p:sld>
+</file>
+
+<file path=ppt/slides/slide12.xml><?xml version="1.0" encoding="utf-8"?>
+<p:sld xmlns:a="http://schemas.openxmlformats.org/drawingml/2006/main" xmlns:r="http://schemas.openxmlformats.org/officeDocument/2006/relationships" xmlns:p="http://schemas.openxmlformats.org/presentationml/2006/main">
+  <p:cSld>
+    <p:spTree>
+      <p:nvGrpSpPr>
+        <p:cNvPr id="1" name=""/>
+        <p:cNvGrpSpPr/>
+        <p:nvPr/>
+      </p:nvGrpSpPr>
+      <p:grpSpPr>
+        <a:xfrm>
+          <a:off x="0" y="0"/>
+          <a:ext cx="0" cy="0"/>
+          <a:chOff x="0" y="0"/>
+          <a:chExt cx="0" cy="0"/>
+        </a:xfrm>
+      </p:grpSpPr>
+      <p:sp>
+        <p:nvSpPr>
+          <p:cNvPr id="6" name="TextBox 5"/>
+          <p:cNvSpPr txBox="1"/>
+          <p:nvPr/>
+        </p:nvSpPr>
+        <p:spPr>
+          <a:xfrm>
+            <a:off x="504283" y="1145742"/>
+            <a:ext cx="4394200" cy="923330"/>
+          </a:xfrm>
+          <a:prstGeom prst="rect">
+            <a:avLst/>
+          </a:prstGeom>
+          <a:noFill/>
+        </p:spPr>
+        <p:txBody>
+          <a:bodyPr wrap="square" rtlCol="0">
+            <a:spAutoFit/>
+          </a:bodyPr>
+          <a:lstStyle/>
+          <a:p>
+            <a:r>
+              <a:rPr lang="en-GB" dirty="0">
+                <a:latin typeface="Calibri" panose="020F0502020204030204" pitchFamily="34" charset="0"/>
+              </a:rPr>
+              <a:t>malignant: </a:t>
+            </a:r>
+            <a:r>
+              <a:rPr lang="en-GB" b="1" dirty="0">
+                <a:latin typeface="Calibri" panose="020F0502020204030204" pitchFamily="34" charset="0"/>
+              </a:rPr>
+              <a:t>positive</a:t>
+            </a:r>
+            <a:r>
+              <a:rPr lang="en-GB" dirty="0">
+                <a:latin typeface="Calibri" panose="020F0502020204030204" pitchFamily="34" charset="0"/>
+              </a:rPr>
+              <a:t> class </a:t>
+            </a:r>
+          </a:p>
+          <a:p>
+            <a:r>
+              <a:rPr lang="en-GB" dirty="0">
+                <a:latin typeface="Calibri" panose="020F0502020204030204" pitchFamily="34" charset="0"/>
+              </a:rPr>
+              <a:t>benign:  </a:t>
+            </a:r>
+            <a:r>
+              <a:rPr lang="en-GB" b="1" dirty="0">
+                <a:latin typeface="Calibri" panose="020F0502020204030204" pitchFamily="34" charset="0"/>
+              </a:rPr>
+              <a:t>negative</a:t>
+            </a:r>
+            <a:r>
+              <a:rPr lang="en-GB" dirty="0">
+                <a:latin typeface="Calibri" panose="020F0502020204030204" pitchFamily="34" charset="0"/>
+              </a:rPr>
+              <a:t> class</a:t>
+            </a:r>
+          </a:p>
+          <a:p>
+            <a:pPr marL="285750" indent="-285750">
+              <a:buFont typeface="Courier New" panose="02070309020205020404" pitchFamily="49" charset="0"/>
+              <a:buChar char="o"/>
+            </a:pPr>
+            <a:endParaRPr lang="en-GB" dirty="0">
+              <a:latin typeface="Calibri" panose="020F0502020204030204" pitchFamily="34" charset="0"/>
+            </a:endParaRPr>
+          </a:p>
+        </p:txBody>
+      </p:sp>
+      <p:pic>
+        <p:nvPicPr>
+          <p:cNvPr id="8" name="Picture 7"/>
+          <p:cNvPicPr>
+            <a:picLocks noChangeAspect="1"/>
+          </p:cNvPicPr>
+          <p:nvPr/>
+        </p:nvPicPr>
+        <p:blipFill>
+          <a:blip r:embed="rId3"/>
+          <a:stretch>
+            <a:fillRect/>
+          </a:stretch>
+        </p:blipFill>
+        <p:spPr>
+          <a:xfrm>
+            <a:off x="366712" y="2172266"/>
+            <a:ext cx="7343775" cy="1476375"/>
+          </a:xfrm>
+          <a:prstGeom prst="rect">
+            <a:avLst/>
+          </a:prstGeom>
+        </p:spPr>
+      </p:pic>
+      <p:pic>
+        <p:nvPicPr>
+          <p:cNvPr id="1026" name="Picture 2" descr="http://i.imgur.com/hftkt.png"/>
+          <p:cNvPicPr>
+            <a:picLocks noChangeAspect="1" noChangeArrowheads="1"/>
+          </p:cNvPicPr>
+          <p:nvPr/>
+        </p:nvPicPr>
+        <p:blipFill>
+          <a:blip r:embed="rId4">
+            <a:extLst>
+              <a:ext uri="{28A0092B-C50C-407E-A947-70E740481C1C}">
+                <a14:useLocalDpi xmlns:a14="http://schemas.microsoft.com/office/drawing/2010/main" val="0"/>
+              </a:ext>
+            </a:extLst>
+          </a:blip>
+          <a:srcRect/>
+          <a:stretch>
+            <a:fillRect/>
+          </a:stretch>
+        </p:blipFill>
+        <p:spPr bwMode="auto">
+          <a:xfrm>
+            <a:off x="1481294" y="3855030"/>
+            <a:ext cx="4972369" cy="2482587"/>
+          </a:xfrm>
+          <a:prstGeom prst="rect">
+            <a:avLst/>
+          </a:prstGeom>
+          <a:noFill/>
+          <a:extLst>
+            <a:ext uri="{909E8E84-426E-40DD-AFC4-6F175D3DCCD1}">
+              <a14:hiddenFill xmlns:a14="http://schemas.microsoft.com/office/drawing/2010/main">
+                <a:solidFill>
+                  <a:srgbClr val="FFFFFF"/>
+                </a:solidFill>
+              </a14:hiddenFill>
+            </a:ext>
+          </a:extLst>
+        </p:spPr>
+      </p:pic>
+      <p:sp>
+        <p:nvSpPr>
+          <p:cNvPr id="2" name="TextBox 1">
+            <a:extLst>
+              <a:ext uri="{FF2B5EF4-FFF2-40B4-BE49-F238E27FC236}">
+                <a16:creationId xmlns:a16="http://schemas.microsoft.com/office/drawing/2014/main" id="{9E5BA004-DC5A-2EFD-C268-8B5127259DD0}"/>
+              </a:ext>
+            </a:extLst>
+          </p:cNvPr>
+          <p:cNvSpPr txBox="1"/>
+          <p:nvPr/>
+        </p:nvSpPr>
+        <p:spPr>
+          <a:xfrm>
+            <a:off x="241301" y="129804"/>
+            <a:ext cx="11747500" cy="523220"/>
+          </a:xfrm>
+          <a:prstGeom prst="rect">
+            <a:avLst/>
+          </a:prstGeom>
+          <a:noFill/>
+        </p:spPr>
+        <p:txBody>
+          <a:bodyPr wrap="square" rtlCol="0">
+            <a:spAutoFit/>
+          </a:bodyPr>
+          <a:lstStyle/>
+          <a:p>
+            <a:r>
+              <a:rPr lang="en-US" sz="2800" dirty="0">
+                <a:latin typeface="+mj-lt"/>
+                <a:ea typeface="Lato" panose="020B0604020202020204" pitchFamily="34" charset="0"/>
+                <a:cs typeface="Helvetica" panose="020B0604020202020204" pitchFamily="34" charset="0"/>
+              </a:rPr>
+              <a:t>classification: prediction errors</a:t>
+            </a:r>
+            <a:endParaRPr lang="en-GB" sz="2800" dirty="0">
+              <a:latin typeface="+mj-lt"/>
+              <a:ea typeface="Lato" panose="020B0604020202020204" pitchFamily="34" charset="0"/>
+              <a:cs typeface="Helvetica" panose="020B0604020202020204" pitchFamily="34" charset="0"/>
+            </a:endParaRPr>
+          </a:p>
+        </p:txBody>
+      </p:sp>
+      <p:pic>
+        <p:nvPicPr>
+          <p:cNvPr id="3" name="Picture 2" descr="Chart, histogram&#10;&#10;Description automatically generated">
+            <a:extLst>
+              <a:ext uri="{FF2B5EF4-FFF2-40B4-BE49-F238E27FC236}">
+                <a16:creationId xmlns:a16="http://schemas.microsoft.com/office/drawing/2014/main" id="{965FACA2-9E14-E8B3-1C83-CFFA2B782E45}"/>
+              </a:ext>
+            </a:extLst>
+          </p:cNvPr>
+          <p:cNvPicPr>
+            <a:picLocks noChangeAspect="1"/>
+          </p:cNvPicPr>
+          <p:nvPr/>
+        </p:nvPicPr>
+        <p:blipFill>
+          <a:blip r:embed="rId5">
+            <a:extLst>
+              <a:ext uri="{28A0092B-C50C-407E-A947-70E740481C1C}">
+                <a14:useLocalDpi xmlns:a14="http://schemas.microsoft.com/office/drawing/2010/main" val="0"/>
+              </a:ext>
+            </a:extLst>
+          </a:blip>
+          <a:stretch>
+            <a:fillRect/>
+          </a:stretch>
+        </p:blipFill>
+        <p:spPr>
+          <a:xfrm>
+            <a:off x="7874885" y="1374887"/>
+            <a:ext cx="3812832" cy="3728849"/>
+          </a:xfrm>
+          <a:prstGeom prst="rect">
+            <a:avLst/>
+          </a:prstGeom>
+        </p:spPr>
+      </p:pic>
+    </p:spTree>
+    <p:extLst>
+      <p:ext uri="{BB962C8B-B14F-4D97-AF65-F5344CB8AC3E}">
+        <p14:creationId xmlns:p14="http://schemas.microsoft.com/office/powerpoint/2010/main" val="1513397527"/>
+      </p:ext>
+    </p:extLst>
+  </p:cSld>
+  <p:clrMapOvr>
+    <a:masterClrMapping/>
+  </p:clrMapOvr>
+</p:sld>
+</file>
+
+<file path=ppt/slides/slide13.xml><?xml version="1.0" encoding="utf-8"?>
+<p:sld xmlns:a="http://schemas.openxmlformats.org/drawingml/2006/main" xmlns:r="http://schemas.openxmlformats.org/officeDocument/2006/relationships" xmlns:p="http://schemas.openxmlformats.org/presentationml/2006/main">
+  <p:cSld>
+    <p:spTree>
+      <p:nvGrpSpPr>
+        <p:cNvPr id="1" name=""/>
+        <p:cNvGrpSpPr/>
+        <p:nvPr/>
+      </p:nvGrpSpPr>
+      <p:grpSpPr>
+        <a:xfrm>
+          <a:off x="0" y="0"/>
+          <a:ext cx="0" cy="0"/>
+          <a:chOff x="0" y="0"/>
+          <a:chExt cx="0" cy="0"/>
+        </a:xfrm>
+      </p:grpSpPr>
+      <p:pic>
+        <p:nvPicPr>
+          <p:cNvPr id="2" name="Picture 2" descr="http://i.imgur.com/hftkt.png"/>
+          <p:cNvPicPr>
+            <a:picLocks noChangeAspect="1" noChangeArrowheads="1"/>
+          </p:cNvPicPr>
+          <p:nvPr/>
+        </p:nvPicPr>
+        <p:blipFill>
+          <a:blip r:embed="rId3">
+            <a:extLst>
+              <a:ext uri="{28A0092B-C50C-407E-A947-70E740481C1C}">
+                <a14:useLocalDpi xmlns:a14="http://schemas.microsoft.com/office/drawing/2010/main" val="0"/>
+              </a:ext>
+            </a:extLst>
+          </a:blip>
+          <a:srcRect/>
+          <a:stretch>
+            <a:fillRect/>
+          </a:stretch>
+        </p:blipFill>
+        <p:spPr bwMode="auto">
+          <a:xfrm>
+            <a:off x="412431" y="2188790"/>
+            <a:ext cx="4972369" cy="2482587"/>
+          </a:xfrm>
+          <a:prstGeom prst="rect">
+            <a:avLst/>
+          </a:prstGeom>
+          <a:noFill/>
+          <a:extLst>
+            <a:ext uri="{909E8E84-426E-40DD-AFC4-6F175D3DCCD1}">
+              <a14:hiddenFill xmlns:a14="http://schemas.microsoft.com/office/drawing/2010/main">
+                <a:solidFill>
+                  <a:srgbClr val="FFFFFF"/>
+                </a:solidFill>
+              </a14:hiddenFill>
+            </a:ext>
+          </a:extLst>
+        </p:spPr>
+      </p:pic>
+      <p:pic>
+        <p:nvPicPr>
+          <p:cNvPr id="4" name="Picture 3"/>
+          <p:cNvPicPr>
+            <a:picLocks noChangeAspect="1"/>
+          </p:cNvPicPr>
+          <p:nvPr/>
+        </p:nvPicPr>
+        <p:blipFill>
+          <a:blip r:embed="rId4"/>
+          <a:stretch>
+            <a:fillRect/>
+          </a:stretch>
+        </p:blipFill>
+        <p:spPr>
+          <a:xfrm>
+            <a:off x="6681152" y="1888752"/>
+            <a:ext cx="3076575" cy="600075"/>
+          </a:xfrm>
+          <a:prstGeom prst="rect">
+            <a:avLst/>
+          </a:prstGeom>
+        </p:spPr>
+      </p:pic>
+      <p:pic>
+        <p:nvPicPr>
+          <p:cNvPr id="5" name="Picture 4"/>
+          <p:cNvPicPr>
+            <a:picLocks noChangeAspect="1"/>
+          </p:cNvPicPr>
+          <p:nvPr/>
+        </p:nvPicPr>
+        <p:blipFill>
+          <a:blip r:embed="rId5"/>
+          <a:stretch>
+            <a:fillRect/>
+          </a:stretch>
+        </p:blipFill>
+        <p:spPr>
+          <a:xfrm>
+            <a:off x="7125652" y="3126422"/>
+            <a:ext cx="1933575" cy="523875"/>
+          </a:xfrm>
+          <a:prstGeom prst="rect">
+            <a:avLst/>
+          </a:prstGeom>
+        </p:spPr>
+      </p:pic>
+      <p:pic>
+        <p:nvPicPr>
+          <p:cNvPr id="6" name="Picture 5"/>
+          <p:cNvPicPr>
+            <a:picLocks noChangeAspect="1"/>
+          </p:cNvPicPr>
+          <p:nvPr/>
+        </p:nvPicPr>
+        <p:blipFill>
+          <a:blip r:embed="rId6"/>
+          <a:stretch>
+            <a:fillRect/>
+          </a:stretch>
+        </p:blipFill>
+        <p:spPr>
+          <a:xfrm>
+            <a:off x="6994207" y="3830320"/>
+            <a:ext cx="1952625" cy="609600"/>
+          </a:xfrm>
+          <a:prstGeom prst="rect">
+            <a:avLst/>
+          </a:prstGeom>
+        </p:spPr>
+      </p:pic>
+      <p:pic>
+        <p:nvPicPr>
+          <p:cNvPr id="3" name="Picture 2"/>
+          <p:cNvPicPr>
+            <a:picLocks noChangeAspect="1"/>
+          </p:cNvPicPr>
+          <p:nvPr/>
+        </p:nvPicPr>
+        <p:blipFill>
+          <a:blip r:embed="rId7"/>
+          <a:stretch>
+            <a:fillRect/>
+          </a:stretch>
+        </p:blipFill>
+        <p:spPr>
+          <a:xfrm>
+            <a:off x="7885641" y="3904502"/>
+            <a:ext cx="962032" cy="547692"/>
+          </a:xfrm>
+          <a:prstGeom prst="rect">
+            <a:avLst/>
+          </a:prstGeom>
+        </p:spPr>
+      </p:pic>
+      <p:sp>
+        <p:nvSpPr>
+          <p:cNvPr id="7" name="TextBox 6">
+            <a:extLst>
+              <a:ext uri="{FF2B5EF4-FFF2-40B4-BE49-F238E27FC236}">
+                <a16:creationId xmlns:a16="http://schemas.microsoft.com/office/drawing/2014/main" id="{4D7E4FDD-B32C-DC19-7E6D-C9D87548C9D8}"/>
+              </a:ext>
+            </a:extLst>
+          </p:cNvPr>
+          <p:cNvSpPr txBox="1"/>
+          <p:nvPr/>
+        </p:nvSpPr>
+        <p:spPr>
+          <a:xfrm>
+            <a:off x="241301" y="129804"/>
+            <a:ext cx="11747500" cy="523220"/>
+          </a:xfrm>
+          <a:prstGeom prst="rect">
+            <a:avLst/>
+          </a:prstGeom>
+          <a:noFill/>
+        </p:spPr>
+        <p:txBody>
+          <a:bodyPr wrap="square" rtlCol="0">
+            <a:spAutoFit/>
+          </a:bodyPr>
+          <a:lstStyle/>
+          <a:p>
+            <a:r>
+              <a:rPr lang="en-US" sz="2800" dirty="0">
+                <a:latin typeface="+mj-lt"/>
+                <a:ea typeface="Lato" panose="020B0604020202020204" pitchFamily="34" charset="0"/>
+                <a:cs typeface="Helvetica" panose="020B0604020202020204" pitchFamily="34" charset="0"/>
+              </a:rPr>
+              <a:t>classification: prediction errors</a:t>
+            </a:r>
+            <a:endParaRPr lang="en-GB" sz="2800" dirty="0">
+              <a:latin typeface="+mj-lt"/>
+              <a:ea typeface="Lato" panose="020B0604020202020204" pitchFamily="34" charset="0"/>
+              <a:cs typeface="Helvetica" panose="020B0604020202020204" pitchFamily="34" charset="0"/>
+            </a:endParaRPr>
+          </a:p>
+        </p:txBody>
+      </p:sp>
+    </p:spTree>
+    <p:extLst>
+      <p:ext uri="{BB962C8B-B14F-4D97-AF65-F5344CB8AC3E}">
+        <p14:creationId xmlns:p14="http://schemas.microsoft.com/office/powerpoint/2010/main" val="2171976932"/>
+      </p:ext>
+    </p:extLst>
+  </p:cSld>
+  <p:clrMapOvr>
+    <a:masterClrMapping/>
+  </p:clrMapOvr>
+</p:sld>
+</file>
+
+<file path=ppt/slides/slide14.xml><?xml version="1.0" encoding="utf-8"?>
+<p:sld xmlns:a="http://schemas.openxmlformats.org/drawingml/2006/main" xmlns:r="http://schemas.openxmlformats.org/officeDocument/2006/relationships" xmlns:p="http://schemas.openxmlformats.org/presentationml/2006/main">
+  <p:cSld>
+    <p:spTree>
+      <p:nvGrpSpPr>
+        <p:cNvPr id="1" name=""/>
+        <p:cNvGrpSpPr/>
+        <p:nvPr/>
+      </p:nvGrpSpPr>
+      <p:grpSpPr>
+        <a:xfrm>
+          <a:off x="0" y="0"/>
+          <a:ext cx="0" cy="0"/>
+          <a:chOff x="0" y="0"/>
+          <a:chExt cx="0" cy="0"/>
+        </a:xfrm>
+      </p:grpSpPr>
+      <p:pic>
+        <p:nvPicPr>
+          <p:cNvPr id="5" name="Picture 4"/>
+          <p:cNvPicPr>
+            <a:picLocks noChangeAspect="1"/>
+          </p:cNvPicPr>
+          <p:nvPr/>
+        </p:nvPicPr>
+        <p:blipFill>
+          <a:blip r:embed="rId3"/>
+          <a:stretch>
+            <a:fillRect/>
+          </a:stretch>
+        </p:blipFill>
+        <p:spPr>
+          <a:xfrm rot="16200000">
+            <a:off x="-270828" y="3080702"/>
+            <a:ext cx="1933575" cy="523875"/>
+          </a:xfrm>
+          <a:prstGeom prst="rect">
+            <a:avLst/>
+          </a:prstGeom>
+        </p:spPr>
+      </p:pic>
+      <p:pic>
+        <p:nvPicPr>
+          <p:cNvPr id="6" name="Picture 5"/>
+          <p:cNvPicPr>
+            <a:picLocks noChangeAspect="1"/>
+          </p:cNvPicPr>
+          <p:nvPr/>
+        </p:nvPicPr>
+        <p:blipFill>
+          <a:blip r:embed="rId4"/>
+          <a:stretch>
+            <a:fillRect/>
+          </a:stretch>
+        </p:blipFill>
+        <p:spPr>
+          <a:xfrm>
+            <a:off x="2391727" y="5697855"/>
+            <a:ext cx="1952625" cy="609600"/>
+          </a:xfrm>
+          <a:prstGeom prst="rect">
+            <a:avLst/>
+          </a:prstGeom>
+        </p:spPr>
+      </p:pic>
+      <p:pic>
+        <p:nvPicPr>
+          <p:cNvPr id="3" name="Picture 2"/>
+          <p:cNvPicPr>
+            <a:picLocks noChangeAspect="1"/>
+          </p:cNvPicPr>
+          <p:nvPr/>
+        </p:nvPicPr>
+        <p:blipFill>
+          <a:blip r:embed="rId5"/>
+          <a:stretch>
+            <a:fillRect/>
+          </a:stretch>
+        </p:blipFill>
+        <p:spPr>
+          <a:xfrm>
+            <a:off x="1040129" y="1292225"/>
+            <a:ext cx="4838700" cy="4476750"/>
+          </a:xfrm>
+          <a:prstGeom prst="rect">
+            <a:avLst/>
+          </a:prstGeom>
+        </p:spPr>
+      </p:pic>
+      <p:sp>
+        <p:nvSpPr>
+          <p:cNvPr id="7" name="TextBox 6"/>
+          <p:cNvSpPr txBox="1"/>
+          <p:nvPr/>
+        </p:nvSpPr>
+        <p:spPr>
+          <a:xfrm>
+            <a:off x="5878828" y="2287042"/>
+            <a:ext cx="4569865" cy="3416320"/>
+          </a:xfrm>
+          <a:prstGeom prst="rect">
+            <a:avLst/>
+          </a:prstGeom>
+          <a:noFill/>
+        </p:spPr>
+        <p:txBody>
+          <a:bodyPr wrap="square" rtlCol="0">
+            <a:spAutoFit/>
+          </a:bodyPr>
+          <a:lstStyle/>
+          <a:p>
+            <a:r>
+              <a:rPr lang="nl-NL" dirty="0"/>
+              <a:t>model that classifies all images as malignant: TPR=1 and FPR=1</a:t>
+            </a:r>
+          </a:p>
+          <a:p>
+            <a:endParaRPr lang="nl-NL" dirty="0">
+              <a:latin typeface="Calibri" panose="020F0502020204030204" pitchFamily="34" charset="0"/>
+            </a:endParaRPr>
+          </a:p>
+          <a:p>
+            <a:r>
+              <a:rPr lang="en-US" dirty="0"/>
+              <a:t>model that classifies all images a benign: TPR=0 and FPR=0</a:t>
+            </a:r>
+          </a:p>
+          <a:p>
+            <a:endParaRPr lang="en-US" dirty="0">
+              <a:latin typeface="Calibri" panose="020F0502020204030204" pitchFamily="34" charset="0"/>
+            </a:endParaRPr>
+          </a:p>
+          <a:p>
+            <a:r>
+              <a:rPr lang="en-US" dirty="0">
+                <a:latin typeface="Calibri" panose="020F0502020204030204" pitchFamily="34" charset="0"/>
+              </a:rPr>
+              <a:t>vary threshold </a:t>
+            </a:r>
+            <a:r>
+              <a:rPr lang="en-US" i="1" dirty="0">
+                <a:latin typeface="Calibri" panose="020F0502020204030204" pitchFamily="34" charset="0"/>
+              </a:rPr>
+              <a:t>t</a:t>
+            </a:r>
+          </a:p>
+          <a:p>
+            <a:endParaRPr lang="en-US" i="1" dirty="0">
+              <a:latin typeface="Calibri" panose="020F0502020204030204" pitchFamily="34" charset="0"/>
+            </a:endParaRPr>
+          </a:p>
+          <a:p>
+            <a:r>
+              <a:rPr lang="en-US" dirty="0">
+                <a:latin typeface="Calibri" panose="020F0502020204030204" pitchFamily="34" charset="0"/>
+              </a:rPr>
+              <a:t>Area Under the Curve (AUC)</a:t>
+            </a:r>
+            <a:endParaRPr lang="en-GB" dirty="0">
+              <a:latin typeface="Calibri" panose="020F0502020204030204" pitchFamily="34" charset="0"/>
+            </a:endParaRPr>
+          </a:p>
+          <a:p>
+            <a:pPr marL="285750" indent="-285750">
+              <a:buFont typeface="Courier New" panose="02070309020205020404" pitchFamily="49" charset="0"/>
+              <a:buChar char="o"/>
+            </a:pPr>
+            <a:endParaRPr lang="en-GB" dirty="0">
+              <a:latin typeface="Calibri" panose="020F0502020204030204" pitchFamily="34" charset="0"/>
+            </a:endParaRPr>
+          </a:p>
+          <a:p>
+            <a:pPr marL="285750" indent="-285750">
+              <a:buFont typeface="Courier New" panose="02070309020205020404" pitchFamily="49" charset="0"/>
+              <a:buChar char="o"/>
+            </a:pPr>
+            <a:endParaRPr lang="en-GB" dirty="0">
+              <a:latin typeface="Calibri" panose="020F0502020204030204" pitchFamily="34" charset="0"/>
+            </a:endParaRPr>
+          </a:p>
+          <a:p>
+            <a:pPr marL="285750" indent="-285750">
+              <a:buFont typeface="Courier New" panose="02070309020205020404" pitchFamily="49" charset="0"/>
+              <a:buChar char="o"/>
+            </a:pPr>
+            <a:endParaRPr lang="en-GB" dirty="0">
+              <a:latin typeface="Calibri" panose="020F0502020204030204" pitchFamily="34" charset="0"/>
+            </a:endParaRPr>
+          </a:p>
+        </p:txBody>
+      </p:sp>
+      <p:pic>
+        <p:nvPicPr>
+          <p:cNvPr id="8" name="Picture 7"/>
+          <p:cNvPicPr>
+            <a:picLocks noChangeAspect="1"/>
+          </p:cNvPicPr>
+          <p:nvPr/>
+        </p:nvPicPr>
+        <p:blipFill>
+          <a:blip r:embed="rId6"/>
+          <a:stretch>
+            <a:fillRect/>
+          </a:stretch>
+        </p:blipFill>
+        <p:spPr>
+          <a:xfrm>
+            <a:off x="3313641" y="5765900"/>
+            <a:ext cx="962032" cy="547692"/>
+          </a:xfrm>
+          <a:prstGeom prst="rect">
+            <a:avLst/>
+          </a:prstGeom>
+        </p:spPr>
+      </p:pic>
+      <p:sp>
+        <p:nvSpPr>
+          <p:cNvPr id="2" name="TextBox 1">
+            <a:extLst>
+              <a:ext uri="{FF2B5EF4-FFF2-40B4-BE49-F238E27FC236}">
+                <a16:creationId xmlns:a16="http://schemas.microsoft.com/office/drawing/2014/main" id="{5A76E75F-AF29-073B-57B2-4426C34E9D00}"/>
+              </a:ext>
+            </a:extLst>
+          </p:cNvPr>
+          <p:cNvSpPr txBox="1"/>
+          <p:nvPr/>
+        </p:nvSpPr>
+        <p:spPr>
+          <a:xfrm>
+            <a:off x="241301" y="129804"/>
+            <a:ext cx="11747500" cy="523220"/>
+          </a:xfrm>
+          <a:prstGeom prst="rect">
+            <a:avLst/>
+          </a:prstGeom>
+          <a:noFill/>
+        </p:spPr>
+        <p:txBody>
+          <a:bodyPr wrap="square" rtlCol="0">
+            <a:spAutoFit/>
+          </a:bodyPr>
+          <a:lstStyle/>
+          <a:p>
+            <a:r>
+              <a:rPr lang="en-US" sz="2800" dirty="0">
+                <a:latin typeface="+mj-lt"/>
+                <a:ea typeface="Lato" panose="020B0604020202020204" pitchFamily="34" charset="0"/>
+                <a:cs typeface="Helvetica" panose="020B0604020202020204" pitchFamily="34" charset="0"/>
+              </a:rPr>
+              <a:t>classification: prediction errors</a:t>
+            </a:r>
+            <a:endParaRPr lang="en-GB" sz="2800" dirty="0">
+              <a:latin typeface="+mj-lt"/>
+              <a:ea typeface="Lato" panose="020B0604020202020204" pitchFamily="34" charset="0"/>
+              <a:cs typeface="Helvetica" panose="020B0604020202020204" pitchFamily="34" charset="0"/>
+            </a:endParaRPr>
+          </a:p>
+        </p:txBody>
+      </p:sp>
+    </p:spTree>
+    <p:extLst>
+      <p:ext uri="{BB962C8B-B14F-4D97-AF65-F5344CB8AC3E}">
+        <p14:creationId xmlns:p14="http://schemas.microsoft.com/office/powerpoint/2010/main" val="473295301"/>
+      </p:ext>
+    </p:extLst>
+  </p:cSld>
+  <p:clrMapOvr>
+    <a:masterClrMapping/>
+  </p:clrMapOvr>
+</p:sld>
+</file>
+
+<file path=ppt/slides/slide15.xml><?xml version="1.0" encoding="utf-8"?>
+<p:sld xmlns:a="http://schemas.openxmlformats.org/drawingml/2006/main" xmlns:r="http://schemas.openxmlformats.org/officeDocument/2006/relationships" xmlns:p="http://schemas.openxmlformats.org/presentationml/2006/main">
+  <p:cSld>
+    <p:spTree>
+      <p:nvGrpSpPr>
+        <p:cNvPr id="1" name=""/>
+        <p:cNvGrpSpPr/>
+        <p:nvPr/>
+      </p:nvGrpSpPr>
+      <p:grpSpPr>
+        <a:xfrm>
+          <a:off x="0" y="0"/>
+          <a:ext cx="0" cy="0"/>
+          <a:chOff x="0" y="0"/>
+          <a:chExt cx="0" cy="0"/>
+        </a:xfrm>
+      </p:grpSpPr>
+      <p:sp>
+        <p:nvSpPr>
           <p:cNvPr id="3" name="TextBox 2"/>
           <p:cNvSpPr txBox="1"/>
           <p:nvPr/>
@@ -5485,7 +6682,7 @@
 </p:sld>
 </file>
 
-<file path=ppt/slides/slide12.xml><?xml version="1.0" encoding="utf-8"?>
+<file path=ppt/slides/slide16.xml><?xml version="1.0" encoding="utf-8"?>
 <p:sld xmlns:a="http://schemas.openxmlformats.org/drawingml/2006/main" xmlns:r="http://schemas.openxmlformats.org/officeDocument/2006/relationships" xmlns:p="http://schemas.openxmlformats.org/presentationml/2006/main">
   <p:cSld>
     <p:spTree>
@@ -5666,7 +6863,7 @@
 </p:sld>
 </file>
 
-<file path=ppt/slides/slide13.xml><?xml version="1.0" encoding="utf-8"?>
+<file path=ppt/slides/slide17.xml><?xml version="1.0" encoding="utf-8"?>
 <p:sld xmlns:a="http://schemas.openxmlformats.org/drawingml/2006/main" xmlns:r="http://schemas.openxmlformats.org/officeDocument/2006/relationships" xmlns:p="http://schemas.openxmlformats.org/presentationml/2006/main">
   <p:cSld>
     <p:spTree>
@@ -5886,7 +7083,7 @@
 </p:sld>
 </file>
 
-<file path=ppt/slides/slide14.xml><?xml version="1.0" encoding="utf-8"?>
+<file path=ppt/slides/slide18.xml><?xml version="1.0" encoding="utf-8"?>
 <p:sld xmlns:a="http://schemas.openxmlformats.org/drawingml/2006/main" xmlns:r="http://schemas.openxmlformats.org/officeDocument/2006/relationships" xmlns:p="http://schemas.openxmlformats.org/presentationml/2006/main">
   <p:cSld>
     <p:spTree>
@@ -6074,7 +7271,7 @@
 </p:sld>
 </file>
 
-<file path=ppt/slides/slide15.xml><?xml version="1.0" encoding="utf-8"?>
+<file path=ppt/slides/slide19.xml><?xml version="1.0" encoding="utf-8"?>
 <p:sld xmlns:a="http://schemas.openxmlformats.org/drawingml/2006/main" xmlns:r="http://schemas.openxmlformats.org/officeDocument/2006/relationships" xmlns:p="http://schemas.openxmlformats.org/presentationml/2006/main">
   <p:cSld>
     <p:spTree>
@@ -6225,7 +7422,7 @@
 </p:sld>
 </file>
 
-<file path=ppt/slides/slide16.xml><?xml version="1.0" encoding="utf-8"?>
+<file path=ppt/slides/slide2.xml><?xml version="1.0" encoding="utf-8"?>
 <p:sld xmlns:a="http://schemas.openxmlformats.org/drawingml/2006/main" xmlns:r="http://schemas.openxmlformats.org/officeDocument/2006/relationships" xmlns:p="http://schemas.openxmlformats.org/presentationml/2006/main">
   <p:cSld>
     <p:spTree>
@@ -6242,6 +7439,444 @@
           <a:chExt cx="0" cy="0"/>
         </a:xfrm>
       </p:grpSpPr>
+      <p:grpSp>
+        <p:nvGrpSpPr>
+          <p:cNvPr id="6" name="Group 5">
+            <a:extLst>
+              <a:ext uri="{FF2B5EF4-FFF2-40B4-BE49-F238E27FC236}">
+                <a16:creationId xmlns:a16="http://schemas.microsoft.com/office/drawing/2014/main" id="{95502A6F-CD21-FDBB-644D-E71CCA5C5B6A}"/>
+              </a:ext>
+            </a:extLst>
+          </p:cNvPr>
+          <p:cNvGrpSpPr/>
+          <p:nvPr/>
+        </p:nvGrpSpPr>
+        <p:grpSpPr>
+          <a:xfrm>
+            <a:off x="426484" y="748410"/>
+            <a:ext cx="11481407" cy="5094862"/>
+            <a:chOff x="559220" y="1025352"/>
+            <a:chExt cx="11481407" cy="5094862"/>
+          </a:xfrm>
+        </p:grpSpPr>
+        <p:pic>
+          <p:nvPicPr>
+            <p:cNvPr id="3" name="Picture 2">
+              <a:extLst>
+                <a:ext uri="{FF2B5EF4-FFF2-40B4-BE49-F238E27FC236}">
+                  <a16:creationId xmlns:a16="http://schemas.microsoft.com/office/drawing/2014/main" id="{935B8F77-F18F-D1C2-F672-7665CCD3BA8C}"/>
+                </a:ext>
+              </a:extLst>
+            </p:cNvPr>
+            <p:cNvPicPr>
+              <a:picLocks noChangeAspect="1"/>
+            </p:cNvPicPr>
+            <p:nvPr/>
+          </p:nvPicPr>
+          <p:blipFill>
+            <a:blip r:embed="rId2"/>
+            <a:stretch>
+              <a:fillRect/>
+            </a:stretch>
+          </p:blipFill>
+          <p:spPr>
+            <a:xfrm>
+              <a:off x="559220" y="1025352"/>
+              <a:ext cx="5728509" cy="5094862"/>
+            </a:xfrm>
+            <a:prstGeom prst="rect">
+              <a:avLst/>
+            </a:prstGeom>
+          </p:spPr>
+        </p:pic>
+        <p:pic>
+          <p:nvPicPr>
+            <p:cNvPr id="5" name="Picture 4">
+              <a:extLst>
+                <a:ext uri="{FF2B5EF4-FFF2-40B4-BE49-F238E27FC236}">
+                  <a16:creationId xmlns:a16="http://schemas.microsoft.com/office/drawing/2014/main" id="{95F6C3DD-C26A-1F6E-C58F-DE1C4EDBC145}"/>
+                </a:ext>
+              </a:extLst>
+            </p:cNvPr>
+            <p:cNvPicPr>
+              <a:picLocks noChangeAspect="1"/>
+            </p:cNvPicPr>
+            <p:nvPr/>
+          </p:nvPicPr>
+          <p:blipFill>
+            <a:blip r:embed="rId3"/>
+            <a:stretch>
+              <a:fillRect/>
+            </a:stretch>
+          </p:blipFill>
+          <p:spPr>
+            <a:xfrm>
+              <a:off x="6287729" y="1305232"/>
+              <a:ext cx="5752898" cy="3841020"/>
+            </a:xfrm>
+            <a:prstGeom prst="rect">
+              <a:avLst/>
+            </a:prstGeom>
+          </p:spPr>
+        </p:pic>
+      </p:grpSp>
+      <p:pic>
+        <p:nvPicPr>
+          <p:cNvPr id="7" name="Picture 6" descr="A person smiling for a picture&#10;&#10;Description automatically generated">
+            <a:extLst>
+              <a:ext uri="{FF2B5EF4-FFF2-40B4-BE49-F238E27FC236}">
+                <a16:creationId xmlns:a16="http://schemas.microsoft.com/office/drawing/2014/main" id="{CDEDDAE3-7CA5-CDFB-B18F-2A3AC1A6750E}"/>
+              </a:ext>
+            </a:extLst>
+          </p:cNvPr>
+          <p:cNvPicPr>
+            <a:picLocks noChangeAspect="1"/>
+          </p:cNvPicPr>
+          <p:nvPr/>
+        </p:nvPicPr>
+        <p:blipFill>
+          <a:blip r:embed="rId4" cstate="print">
+            <a:extLst>
+              <a:ext uri="{28A0092B-C50C-407E-A947-70E740481C1C}">
+                <a14:useLocalDpi xmlns:a14="http://schemas.microsoft.com/office/drawing/2010/main" val="0"/>
+              </a:ext>
+            </a:extLst>
+          </a:blip>
+          <a:stretch>
+            <a:fillRect/>
+          </a:stretch>
+        </p:blipFill>
+        <p:spPr>
+          <a:xfrm>
+            <a:off x="10502597" y="5192329"/>
+            <a:ext cx="1075746" cy="1075746"/>
+          </a:xfrm>
+          <a:prstGeom prst="ellipse">
+            <a:avLst/>
+          </a:prstGeom>
+        </p:spPr>
+      </p:pic>
+      <p:sp>
+        <p:nvSpPr>
+          <p:cNvPr id="8" name="TextBox 7">
+            <a:extLst>
+              <a:ext uri="{FF2B5EF4-FFF2-40B4-BE49-F238E27FC236}">
+                <a16:creationId xmlns:a16="http://schemas.microsoft.com/office/drawing/2014/main" id="{BC8EE329-2BA9-93AF-23A9-DFF5FADF7943}"/>
+              </a:ext>
+            </a:extLst>
+          </p:cNvPr>
+          <p:cNvSpPr txBox="1"/>
+          <p:nvPr/>
+        </p:nvSpPr>
+        <p:spPr>
+          <a:xfrm>
+            <a:off x="10246359" y="6264613"/>
+            <a:ext cx="1622229" cy="226133"/>
+          </a:xfrm>
+          <a:prstGeom prst="rect">
+            <a:avLst/>
+          </a:prstGeom>
+          <a:noFill/>
+        </p:spPr>
+        <p:txBody>
+          <a:bodyPr wrap="square" rtlCol="0" anchor="ctr">
+            <a:noAutofit/>
+          </a:bodyPr>
+          <a:lstStyle/>
+          <a:p>
+            <a:pPr marL="0" marR="0" lvl="0" indent="0" algn="ctr" defTabSz="914400" rtl="0" eaLnBrk="1" fontAlgn="auto" latinLnBrk="0" hangingPunct="1">
+              <a:lnSpc>
+                <a:spcPct val="100000"/>
+              </a:lnSpc>
+              <a:spcBef>
+                <a:spcPts val="0"/>
+              </a:spcBef>
+              <a:spcAft>
+                <a:spcPts val="0"/>
+              </a:spcAft>
+              <a:buClrTx/>
+              <a:buSzTx/>
+              <a:buFontTx/>
+              <a:buNone/>
+              <a:tabLst/>
+              <a:defRPr/>
+            </a:pPr>
+            <a:r>
+              <a:rPr kumimoji="0" lang="en-US" sz="1050" b="1" i="0" u="none" strike="noStrike" kern="1200" cap="none" spc="0" normalizeH="0" baseline="0" noProof="0" dirty="0">
+                <a:ln>
+                  <a:noFill/>
+                </a:ln>
+                <a:effectLst/>
+                <a:uLnTx/>
+                <a:uFillTx/>
+                <a:latin typeface="Open Sans SemiBold" pitchFamily="2" charset="0"/>
+                <a:ea typeface="Open Sans SemiBold" pitchFamily="2" charset="0"/>
+                <a:cs typeface="Open Sans SemiBold" pitchFamily="2" charset="0"/>
+              </a:rPr>
+              <a:t>Ralf Gabriels</a:t>
+            </a:r>
+            <a:endParaRPr kumimoji="0" lang="LID4096" sz="1050" b="1" i="0" u="none" strike="noStrike" kern="1200" cap="none" spc="0" normalizeH="0" baseline="0" noProof="0" dirty="0">
+              <a:ln>
+                <a:noFill/>
+              </a:ln>
+              <a:effectLst/>
+              <a:uLnTx/>
+              <a:uFillTx/>
+              <a:latin typeface="Open Sans SemiBold" pitchFamily="2" charset="0"/>
+              <a:ea typeface="Open Sans SemiBold" pitchFamily="2" charset="0"/>
+              <a:cs typeface="Open Sans SemiBold" pitchFamily="2" charset="0"/>
+            </a:endParaRPr>
+          </a:p>
+        </p:txBody>
+      </p:sp>
+      <p:pic>
+        <p:nvPicPr>
+          <p:cNvPr id="9" name="Picture 8" descr="A person smiling for a picture&#10;&#10;Description automatically generated">
+            <a:extLst>
+              <a:ext uri="{FF2B5EF4-FFF2-40B4-BE49-F238E27FC236}">
+                <a16:creationId xmlns:a16="http://schemas.microsoft.com/office/drawing/2014/main" id="{E9B058CC-4ECF-CE94-348A-440B9D85CAA9}"/>
+              </a:ext>
+            </a:extLst>
+          </p:cNvPr>
+          <p:cNvPicPr>
+            <a:picLocks noChangeAspect="1"/>
+          </p:cNvPicPr>
+          <p:nvPr/>
+        </p:nvPicPr>
+        <p:blipFill>
+          <a:blip r:embed="rId5" cstate="print">
+            <a:extLst>
+              <a:ext uri="{28A0092B-C50C-407E-A947-70E740481C1C}">
+                <a14:useLocalDpi xmlns:a14="http://schemas.microsoft.com/office/drawing/2010/main" val="0"/>
+              </a:ext>
+            </a:extLst>
+          </a:blip>
+          <a:stretch>
+            <a:fillRect/>
+          </a:stretch>
+        </p:blipFill>
+        <p:spPr>
+          <a:xfrm>
+            <a:off x="9122699" y="5192329"/>
+            <a:ext cx="1075746" cy="1075746"/>
+          </a:xfrm>
+          <a:prstGeom prst="ellipse">
+            <a:avLst/>
+          </a:prstGeom>
+        </p:spPr>
+      </p:pic>
+      <p:sp>
+        <p:nvSpPr>
+          <p:cNvPr id="10" name="TextBox 9">
+            <a:extLst>
+              <a:ext uri="{FF2B5EF4-FFF2-40B4-BE49-F238E27FC236}">
+                <a16:creationId xmlns:a16="http://schemas.microsoft.com/office/drawing/2014/main" id="{8D2D4809-F56E-963F-3AEC-6376D1FC2767}"/>
+              </a:ext>
+            </a:extLst>
+          </p:cNvPr>
+          <p:cNvSpPr txBox="1"/>
+          <p:nvPr/>
+        </p:nvSpPr>
+        <p:spPr>
+          <a:xfrm>
+            <a:off x="8868426" y="6270061"/>
+            <a:ext cx="1622229" cy="226133"/>
+          </a:xfrm>
+          <a:prstGeom prst="rect">
+            <a:avLst/>
+          </a:prstGeom>
+          <a:noFill/>
+        </p:spPr>
+        <p:txBody>
+          <a:bodyPr wrap="square" rtlCol="0" anchor="ctr">
+            <a:noAutofit/>
+          </a:bodyPr>
+          <a:lstStyle/>
+          <a:p>
+            <a:pPr marL="0" marR="0" lvl="0" indent="0" algn="ctr" defTabSz="914400" rtl="0" eaLnBrk="1" fontAlgn="auto" latinLnBrk="0" hangingPunct="1">
+              <a:lnSpc>
+                <a:spcPct val="100000"/>
+              </a:lnSpc>
+              <a:spcBef>
+                <a:spcPts val="0"/>
+              </a:spcBef>
+              <a:spcAft>
+                <a:spcPts val="0"/>
+              </a:spcAft>
+              <a:buClrTx/>
+              <a:buSzTx/>
+              <a:buFontTx/>
+              <a:buNone/>
+              <a:tabLst/>
+              <a:defRPr/>
+            </a:pPr>
+            <a:r>
+              <a:rPr kumimoji="0" lang="en-US" sz="1050" b="1" i="0" u="none" strike="noStrike" kern="1200" cap="none" spc="0" normalizeH="0" baseline="0" noProof="0" dirty="0">
+                <a:ln>
+                  <a:noFill/>
+                </a:ln>
+                <a:effectLst/>
+                <a:uLnTx/>
+                <a:uFillTx/>
+                <a:latin typeface="Open Sans SemiBold" pitchFamily="2" charset="0"/>
+                <a:ea typeface="Open Sans SemiBold" pitchFamily="2" charset="0"/>
+                <a:cs typeface="Open Sans SemiBold" pitchFamily="2" charset="0"/>
+              </a:rPr>
+              <a:t>Robbin Bouwmeester</a:t>
+            </a:r>
+            <a:endParaRPr kumimoji="0" lang="LID4096" sz="1050" b="1" i="0" u="none" strike="noStrike" kern="1200" cap="none" spc="0" normalizeH="0" baseline="0" noProof="0" dirty="0">
+              <a:ln>
+                <a:noFill/>
+              </a:ln>
+              <a:effectLst/>
+              <a:uLnTx/>
+              <a:uFillTx/>
+              <a:latin typeface="Open Sans SemiBold" pitchFamily="2" charset="0"/>
+              <a:ea typeface="Open Sans SemiBold" pitchFamily="2" charset="0"/>
+              <a:cs typeface="Open Sans SemiBold" pitchFamily="2" charset="0"/>
+            </a:endParaRPr>
+          </a:p>
+        </p:txBody>
+      </p:sp>
+      <p:pic>
+        <p:nvPicPr>
+          <p:cNvPr id="11" name="Picture 10" descr="A person wearing glasses and a blue shirt&#10;&#10;Description automatically generated">
+            <a:extLst>
+              <a:ext uri="{FF2B5EF4-FFF2-40B4-BE49-F238E27FC236}">
+                <a16:creationId xmlns:a16="http://schemas.microsoft.com/office/drawing/2014/main" id="{62F7912B-3579-F86A-AEEB-4607B29ECEDB}"/>
+              </a:ext>
+            </a:extLst>
+          </p:cNvPr>
+          <p:cNvPicPr>
+            <a:picLocks noChangeAspect="1"/>
+          </p:cNvPicPr>
+          <p:nvPr/>
+        </p:nvPicPr>
+        <p:blipFill>
+          <a:blip r:embed="rId6" cstate="print">
+            <a:extLst>
+              <a:ext uri="{28A0092B-C50C-407E-A947-70E740481C1C}">
+                <a14:useLocalDpi xmlns:a14="http://schemas.microsoft.com/office/drawing/2010/main" val="0"/>
+              </a:ext>
+            </a:extLst>
+          </a:blip>
+          <a:stretch>
+            <a:fillRect/>
+          </a:stretch>
+        </p:blipFill>
+        <p:spPr>
+          <a:xfrm>
+            <a:off x="6832051" y="5192331"/>
+            <a:ext cx="1075746" cy="1075746"/>
+          </a:xfrm>
+          <a:prstGeom prst="ellipse">
+            <a:avLst/>
+          </a:prstGeom>
+        </p:spPr>
+      </p:pic>
+      <p:sp>
+        <p:nvSpPr>
+          <p:cNvPr id="12" name="TextBox 11">
+            <a:extLst>
+              <a:ext uri="{FF2B5EF4-FFF2-40B4-BE49-F238E27FC236}">
+                <a16:creationId xmlns:a16="http://schemas.microsoft.com/office/drawing/2014/main" id="{23D570C5-1D42-BF95-5A5A-FAE102CAB429}"/>
+              </a:ext>
+            </a:extLst>
+          </p:cNvPr>
+          <p:cNvSpPr txBox="1"/>
+          <p:nvPr/>
+        </p:nvSpPr>
+        <p:spPr>
+          <a:xfrm>
+            <a:off x="6577778" y="6270061"/>
+            <a:ext cx="1622229" cy="226133"/>
+          </a:xfrm>
+          <a:prstGeom prst="rect">
+            <a:avLst/>
+          </a:prstGeom>
+          <a:noFill/>
+        </p:spPr>
+        <p:txBody>
+          <a:bodyPr wrap="square" rtlCol="0" anchor="ctr">
+            <a:noAutofit/>
+          </a:bodyPr>
+          <a:lstStyle/>
+          <a:p>
+            <a:pPr marL="0" marR="0" lvl="0" indent="0" algn="ctr" defTabSz="914400" rtl="0" eaLnBrk="1" fontAlgn="auto" latinLnBrk="0" hangingPunct="1">
+              <a:lnSpc>
+                <a:spcPct val="100000"/>
+              </a:lnSpc>
+              <a:spcBef>
+                <a:spcPts val="0"/>
+              </a:spcBef>
+              <a:spcAft>
+                <a:spcPts val="0"/>
+              </a:spcAft>
+              <a:buClrTx/>
+              <a:buSzTx/>
+              <a:buFontTx/>
+              <a:buNone/>
+              <a:tabLst/>
+              <a:defRPr/>
+            </a:pPr>
+            <a:r>
+              <a:rPr kumimoji="0" lang="en-US" sz="1050" b="1" i="0" u="none" strike="noStrike" kern="1200" cap="none" spc="0" normalizeH="0" baseline="0" noProof="0" dirty="0">
+                <a:ln>
+                  <a:noFill/>
+                </a:ln>
+                <a:effectLst/>
+                <a:uLnTx/>
+                <a:uFillTx/>
+                <a:latin typeface="Open Sans SemiBold" pitchFamily="2" charset="0"/>
+                <a:ea typeface="Open Sans SemiBold" pitchFamily="2" charset="0"/>
+                <a:cs typeface="Open Sans SemiBold" pitchFamily="2" charset="0"/>
+              </a:rPr>
+              <a:t>Sven Degroeve</a:t>
+            </a:r>
+            <a:endParaRPr kumimoji="0" lang="LID4096" sz="1050" b="1" i="0" u="none" strike="noStrike" kern="1200" cap="none" spc="0" normalizeH="0" baseline="0" noProof="0" dirty="0">
+              <a:ln>
+                <a:noFill/>
+              </a:ln>
+              <a:effectLst/>
+              <a:uLnTx/>
+              <a:uFillTx/>
+              <a:latin typeface="Open Sans SemiBold" pitchFamily="2" charset="0"/>
+              <a:ea typeface="Open Sans SemiBold" pitchFamily="2" charset="0"/>
+              <a:cs typeface="Open Sans SemiBold" pitchFamily="2" charset="0"/>
+            </a:endParaRPr>
+          </a:p>
+        </p:txBody>
+      </p:sp>
+    </p:spTree>
+    <p:extLst>
+      <p:ext uri="{BB962C8B-B14F-4D97-AF65-F5344CB8AC3E}">
+        <p14:creationId xmlns:p14="http://schemas.microsoft.com/office/powerpoint/2010/main" val="214735984"/>
+      </p:ext>
+    </p:extLst>
+  </p:cSld>
+  <p:clrMapOvr>
+    <a:masterClrMapping/>
+  </p:clrMapOvr>
+</p:sld>
+</file>
+
+<file path=ppt/slides/slide20.xml><?xml version="1.0" encoding="utf-8"?>
+<p:sld xmlns:a="http://schemas.openxmlformats.org/drawingml/2006/main" xmlns:r="http://schemas.openxmlformats.org/officeDocument/2006/relationships" xmlns:p="http://schemas.openxmlformats.org/presentationml/2006/main">
+  <p:cSld>
+    <p:spTree>
+      <p:nvGrpSpPr>
+        <p:cNvPr id="1" name=""/>
+        <p:cNvGrpSpPr/>
+        <p:nvPr/>
+      </p:nvGrpSpPr>
+      <p:grpSpPr>
+        <a:xfrm>
+          <a:off x="0" y="0"/>
+          <a:ext cx="0" cy="0"/>
+          <a:chOff x="0" y="0"/>
+          <a:chExt cx="0" cy="0"/>
+        </a:xfrm>
+      </p:grpSpPr>
       <p:sp>
         <p:nvSpPr>
           <p:cNvPr id="3" name="TextBox 2"/>
@@ -6516,7 +8151,7 @@
 </p:sld>
 </file>
 
-<file path=ppt/slides/slide17.xml><?xml version="1.0" encoding="utf-8"?>
+<file path=ppt/slides/slide21.xml><?xml version="1.0" encoding="utf-8"?>
 <p:sld xmlns:a="http://schemas.openxmlformats.org/drawingml/2006/main" xmlns:r="http://schemas.openxmlformats.org/officeDocument/2006/relationships" xmlns:p="http://schemas.openxmlformats.org/presentationml/2006/main">
   <p:cSld>
     <p:spTree>
@@ -6620,7 +8255,7 @@
 </p:sld>
 </file>
 
-<file path=ppt/slides/slide18.xml><?xml version="1.0" encoding="utf-8"?>
+<file path=ppt/slides/slide22.xml><?xml version="1.0" encoding="utf-8"?>
 <p:sld xmlns:a="http://schemas.openxmlformats.org/drawingml/2006/main" xmlns:r="http://schemas.openxmlformats.org/officeDocument/2006/relationships" xmlns:p="http://schemas.openxmlformats.org/presentationml/2006/main">
   <p:cSld>
     <p:spTree>
@@ -6748,7 +8383,7 @@
 </p:sld>
 </file>
 
-<file path=ppt/slides/slide19.xml><?xml version="1.0" encoding="utf-8"?>
+<file path=ppt/slides/slide23.xml><?xml version="1.0" encoding="utf-8"?>
 <p:sld xmlns:a="http://schemas.openxmlformats.org/drawingml/2006/main" xmlns:r="http://schemas.openxmlformats.org/officeDocument/2006/relationships" xmlns:p="http://schemas.openxmlformats.org/presentationml/2006/main">
   <p:cSld>
     <p:spTree>
@@ -6876,7 +8511,940 @@
 </p:sld>
 </file>
 
-<file path=ppt/slides/slide2.xml><?xml version="1.0" encoding="utf-8"?>
+<file path=ppt/slides/slide3.xml><?xml version="1.0" encoding="utf-8"?>
+<p:sld xmlns:a="http://schemas.openxmlformats.org/drawingml/2006/main" xmlns:r="http://schemas.openxmlformats.org/officeDocument/2006/relationships" xmlns:p="http://schemas.openxmlformats.org/presentationml/2006/main">
+  <p:cSld>
+    <p:spTree>
+      <p:nvGrpSpPr>
+        <p:cNvPr id="1" name="">
+          <a:extLst>
+            <a:ext uri="{FF2B5EF4-FFF2-40B4-BE49-F238E27FC236}">
+              <a16:creationId xmlns:a16="http://schemas.microsoft.com/office/drawing/2014/main" id="{8F70ECAB-8373-364A-C817-AF7720CD8CE9}"/>
+            </a:ext>
+          </a:extLst>
+        </p:cNvPr>
+        <p:cNvGrpSpPr/>
+        <p:nvPr/>
+      </p:nvGrpSpPr>
+      <p:grpSpPr>
+        <a:xfrm>
+          <a:off x="0" y="0"/>
+          <a:ext cx="0" cy="0"/>
+          <a:chOff x="0" y="0"/>
+          <a:chExt cx="0" cy="0"/>
+        </a:xfrm>
+      </p:grpSpPr>
+      <p:grpSp>
+        <p:nvGrpSpPr>
+          <p:cNvPr id="11" name="Group 10">
+            <a:extLst>
+              <a:ext uri="{FF2B5EF4-FFF2-40B4-BE49-F238E27FC236}">
+                <a16:creationId xmlns:a16="http://schemas.microsoft.com/office/drawing/2014/main" id="{2DD8E7E2-05EB-22DB-4BDA-34D2829459F7}"/>
+              </a:ext>
+            </a:extLst>
+          </p:cNvPr>
+          <p:cNvGrpSpPr/>
+          <p:nvPr/>
+        </p:nvGrpSpPr>
+        <p:grpSpPr>
+          <a:xfrm>
+            <a:off x="536470" y="1219200"/>
+            <a:ext cx="11489905" cy="4074160"/>
+            <a:chOff x="1562630" y="0"/>
+            <a:chExt cx="19340863" cy="6858000"/>
+          </a:xfrm>
+        </p:grpSpPr>
+        <p:pic>
+          <p:nvPicPr>
+            <p:cNvPr id="8" name="Picture 7">
+              <a:extLst>
+                <a:ext uri="{FF2B5EF4-FFF2-40B4-BE49-F238E27FC236}">
+                  <a16:creationId xmlns:a16="http://schemas.microsoft.com/office/drawing/2014/main" id="{4BF576C6-046F-837E-D8E4-E01A1152FBCF}"/>
+                </a:ext>
+              </a:extLst>
+            </p:cNvPr>
+            <p:cNvPicPr>
+              <a:picLocks noChangeAspect="1"/>
+            </p:cNvPicPr>
+            <p:nvPr/>
+          </p:nvPicPr>
+          <p:blipFill>
+            <a:blip r:embed="rId2"/>
+            <a:stretch>
+              <a:fillRect/>
+            </a:stretch>
+          </p:blipFill>
+          <p:spPr>
+            <a:xfrm>
+              <a:off x="1562630" y="0"/>
+              <a:ext cx="9066740" cy="6858000"/>
+            </a:xfrm>
+            <a:prstGeom prst="rect">
+              <a:avLst/>
+            </a:prstGeom>
+          </p:spPr>
+        </p:pic>
+        <p:pic>
+          <p:nvPicPr>
+            <p:cNvPr id="10" name="Picture 9">
+              <a:extLst>
+                <a:ext uri="{FF2B5EF4-FFF2-40B4-BE49-F238E27FC236}">
+                  <a16:creationId xmlns:a16="http://schemas.microsoft.com/office/drawing/2014/main" id="{14EC0CC2-EC53-DB2B-324D-6505F8F7F7F9}"/>
+                </a:ext>
+              </a:extLst>
+            </p:cNvPr>
+            <p:cNvPicPr>
+              <a:picLocks noChangeAspect="1"/>
+            </p:cNvPicPr>
+            <p:nvPr/>
+          </p:nvPicPr>
+          <p:blipFill>
+            <a:blip r:embed="rId3"/>
+            <a:stretch>
+              <a:fillRect/>
+            </a:stretch>
+          </p:blipFill>
+          <p:spPr>
+            <a:xfrm>
+              <a:off x="10752773" y="307966"/>
+              <a:ext cx="10150720" cy="4465707"/>
+            </a:xfrm>
+            <a:prstGeom prst="rect">
+              <a:avLst/>
+            </a:prstGeom>
+          </p:spPr>
+        </p:pic>
+      </p:grpSp>
+      <p:pic>
+        <p:nvPicPr>
+          <p:cNvPr id="12" name="Picture 11" descr="A person smiling for a picture&#10;&#10;Description automatically generated">
+            <a:extLst>
+              <a:ext uri="{FF2B5EF4-FFF2-40B4-BE49-F238E27FC236}">
+                <a16:creationId xmlns:a16="http://schemas.microsoft.com/office/drawing/2014/main" id="{D2775E50-408D-5695-80C4-C256EFE1F9C1}"/>
+              </a:ext>
+            </a:extLst>
+          </p:cNvPr>
+          <p:cNvPicPr>
+            <a:picLocks noChangeAspect="1"/>
+          </p:cNvPicPr>
+          <p:nvPr/>
+        </p:nvPicPr>
+        <p:blipFill>
+          <a:blip r:embed="rId4" cstate="print">
+            <a:extLst>
+              <a:ext uri="{28A0092B-C50C-407E-A947-70E740481C1C}">
+                <a14:useLocalDpi xmlns:a14="http://schemas.microsoft.com/office/drawing/2010/main" val="0"/>
+              </a:ext>
+            </a:extLst>
+          </a:blip>
+          <a:stretch>
+            <a:fillRect/>
+          </a:stretch>
+        </p:blipFill>
+        <p:spPr>
+          <a:xfrm>
+            <a:off x="10502597" y="5192329"/>
+            <a:ext cx="1075746" cy="1075746"/>
+          </a:xfrm>
+          <a:prstGeom prst="ellipse">
+            <a:avLst/>
+          </a:prstGeom>
+        </p:spPr>
+      </p:pic>
+      <p:sp>
+        <p:nvSpPr>
+          <p:cNvPr id="13" name="TextBox 12">
+            <a:extLst>
+              <a:ext uri="{FF2B5EF4-FFF2-40B4-BE49-F238E27FC236}">
+                <a16:creationId xmlns:a16="http://schemas.microsoft.com/office/drawing/2014/main" id="{C4B1A02B-CD6F-4999-5FF8-348D3111E971}"/>
+              </a:ext>
+            </a:extLst>
+          </p:cNvPr>
+          <p:cNvSpPr txBox="1"/>
+          <p:nvPr/>
+        </p:nvSpPr>
+        <p:spPr>
+          <a:xfrm>
+            <a:off x="10246359" y="6264613"/>
+            <a:ext cx="1622229" cy="226133"/>
+          </a:xfrm>
+          <a:prstGeom prst="rect">
+            <a:avLst/>
+          </a:prstGeom>
+          <a:noFill/>
+        </p:spPr>
+        <p:txBody>
+          <a:bodyPr wrap="square" rtlCol="0" anchor="ctr">
+            <a:noAutofit/>
+          </a:bodyPr>
+          <a:lstStyle/>
+          <a:p>
+            <a:pPr marL="0" marR="0" lvl="0" indent="0" algn="ctr" defTabSz="914400" rtl="0" eaLnBrk="1" fontAlgn="auto" latinLnBrk="0" hangingPunct="1">
+              <a:lnSpc>
+                <a:spcPct val="100000"/>
+              </a:lnSpc>
+              <a:spcBef>
+                <a:spcPts val="0"/>
+              </a:spcBef>
+              <a:spcAft>
+                <a:spcPts val="0"/>
+              </a:spcAft>
+              <a:buClrTx/>
+              <a:buSzTx/>
+              <a:buFontTx/>
+              <a:buNone/>
+              <a:tabLst/>
+              <a:defRPr/>
+            </a:pPr>
+            <a:r>
+              <a:rPr kumimoji="0" lang="en-US" sz="1050" b="1" i="0" u="none" strike="noStrike" kern="1200" cap="none" spc="0" normalizeH="0" baseline="0" noProof="0" dirty="0">
+                <a:ln>
+                  <a:noFill/>
+                </a:ln>
+                <a:effectLst/>
+                <a:uLnTx/>
+                <a:uFillTx/>
+                <a:latin typeface="Open Sans SemiBold" pitchFamily="2" charset="0"/>
+                <a:ea typeface="Open Sans SemiBold" pitchFamily="2" charset="0"/>
+                <a:cs typeface="Open Sans SemiBold" pitchFamily="2" charset="0"/>
+              </a:rPr>
+              <a:t>Ralf Gabriels</a:t>
+            </a:r>
+            <a:endParaRPr kumimoji="0" lang="LID4096" sz="1050" b="1" i="0" u="none" strike="noStrike" kern="1200" cap="none" spc="0" normalizeH="0" baseline="0" noProof="0" dirty="0">
+              <a:ln>
+                <a:noFill/>
+              </a:ln>
+              <a:effectLst/>
+              <a:uLnTx/>
+              <a:uFillTx/>
+              <a:latin typeface="Open Sans SemiBold" pitchFamily="2" charset="0"/>
+              <a:ea typeface="Open Sans SemiBold" pitchFamily="2" charset="0"/>
+              <a:cs typeface="Open Sans SemiBold" pitchFamily="2" charset="0"/>
+            </a:endParaRPr>
+          </a:p>
+        </p:txBody>
+      </p:sp>
+      <p:pic>
+        <p:nvPicPr>
+          <p:cNvPr id="14" name="Picture 13" descr="A person smiling for a picture&#10;&#10;Description automatically generated">
+            <a:extLst>
+              <a:ext uri="{FF2B5EF4-FFF2-40B4-BE49-F238E27FC236}">
+                <a16:creationId xmlns:a16="http://schemas.microsoft.com/office/drawing/2014/main" id="{71E978F3-B98E-2918-3D09-36ABA5153049}"/>
+              </a:ext>
+            </a:extLst>
+          </p:cNvPr>
+          <p:cNvPicPr>
+            <a:picLocks noChangeAspect="1"/>
+          </p:cNvPicPr>
+          <p:nvPr/>
+        </p:nvPicPr>
+        <p:blipFill>
+          <a:blip r:embed="rId5" cstate="print">
+            <a:extLst>
+              <a:ext uri="{28A0092B-C50C-407E-A947-70E740481C1C}">
+                <a14:useLocalDpi xmlns:a14="http://schemas.microsoft.com/office/drawing/2010/main" val="0"/>
+              </a:ext>
+            </a:extLst>
+          </a:blip>
+          <a:stretch>
+            <a:fillRect/>
+          </a:stretch>
+        </p:blipFill>
+        <p:spPr>
+          <a:xfrm>
+            <a:off x="9122699" y="5192329"/>
+            <a:ext cx="1075746" cy="1075746"/>
+          </a:xfrm>
+          <a:prstGeom prst="ellipse">
+            <a:avLst/>
+          </a:prstGeom>
+        </p:spPr>
+      </p:pic>
+      <p:sp>
+        <p:nvSpPr>
+          <p:cNvPr id="15" name="TextBox 14">
+            <a:extLst>
+              <a:ext uri="{FF2B5EF4-FFF2-40B4-BE49-F238E27FC236}">
+                <a16:creationId xmlns:a16="http://schemas.microsoft.com/office/drawing/2014/main" id="{55C3EBA1-19FF-7033-F524-C2B83616B391}"/>
+              </a:ext>
+            </a:extLst>
+          </p:cNvPr>
+          <p:cNvSpPr txBox="1"/>
+          <p:nvPr/>
+        </p:nvSpPr>
+        <p:spPr>
+          <a:xfrm>
+            <a:off x="8868426" y="6270061"/>
+            <a:ext cx="1622229" cy="226133"/>
+          </a:xfrm>
+          <a:prstGeom prst="rect">
+            <a:avLst/>
+          </a:prstGeom>
+          <a:noFill/>
+        </p:spPr>
+        <p:txBody>
+          <a:bodyPr wrap="square" rtlCol="0" anchor="ctr">
+            <a:noAutofit/>
+          </a:bodyPr>
+          <a:lstStyle/>
+          <a:p>
+            <a:pPr marL="0" marR="0" lvl="0" indent="0" algn="ctr" defTabSz="914400" rtl="0" eaLnBrk="1" fontAlgn="auto" latinLnBrk="0" hangingPunct="1">
+              <a:lnSpc>
+                <a:spcPct val="100000"/>
+              </a:lnSpc>
+              <a:spcBef>
+                <a:spcPts val="0"/>
+              </a:spcBef>
+              <a:spcAft>
+                <a:spcPts val="0"/>
+              </a:spcAft>
+              <a:buClrTx/>
+              <a:buSzTx/>
+              <a:buFontTx/>
+              <a:buNone/>
+              <a:tabLst/>
+              <a:defRPr/>
+            </a:pPr>
+            <a:r>
+              <a:rPr kumimoji="0" lang="en-US" sz="1050" b="1" i="0" u="none" strike="noStrike" kern="1200" cap="none" spc="0" normalizeH="0" baseline="0" noProof="0" dirty="0">
+                <a:ln>
+                  <a:noFill/>
+                </a:ln>
+                <a:effectLst/>
+                <a:uLnTx/>
+                <a:uFillTx/>
+                <a:latin typeface="Open Sans SemiBold" pitchFamily="2" charset="0"/>
+                <a:ea typeface="Open Sans SemiBold" pitchFamily="2" charset="0"/>
+                <a:cs typeface="Open Sans SemiBold" pitchFamily="2" charset="0"/>
+              </a:rPr>
+              <a:t>Robbin Bouwmeester</a:t>
+            </a:r>
+            <a:endParaRPr kumimoji="0" lang="LID4096" sz="1050" b="1" i="0" u="none" strike="noStrike" kern="1200" cap="none" spc="0" normalizeH="0" baseline="0" noProof="0" dirty="0">
+              <a:ln>
+                <a:noFill/>
+              </a:ln>
+              <a:effectLst/>
+              <a:uLnTx/>
+              <a:uFillTx/>
+              <a:latin typeface="Open Sans SemiBold" pitchFamily="2" charset="0"/>
+              <a:ea typeface="Open Sans SemiBold" pitchFamily="2" charset="0"/>
+              <a:cs typeface="Open Sans SemiBold" pitchFamily="2" charset="0"/>
+            </a:endParaRPr>
+          </a:p>
+        </p:txBody>
+      </p:sp>
+      <p:pic>
+        <p:nvPicPr>
+          <p:cNvPr id="16" name="Picture 15" descr="A person wearing glasses and a blue shirt&#10;&#10;Description automatically generated">
+            <a:extLst>
+              <a:ext uri="{FF2B5EF4-FFF2-40B4-BE49-F238E27FC236}">
+                <a16:creationId xmlns:a16="http://schemas.microsoft.com/office/drawing/2014/main" id="{741B6705-84D3-9270-74D3-666765F469F6}"/>
+              </a:ext>
+            </a:extLst>
+          </p:cNvPr>
+          <p:cNvPicPr>
+            <a:picLocks noChangeAspect="1"/>
+          </p:cNvPicPr>
+          <p:nvPr/>
+        </p:nvPicPr>
+        <p:blipFill>
+          <a:blip r:embed="rId6" cstate="print">
+            <a:extLst>
+              <a:ext uri="{28A0092B-C50C-407E-A947-70E740481C1C}">
+                <a14:useLocalDpi xmlns:a14="http://schemas.microsoft.com/office/drawing/2010/main" val="0"/>
+              </a:ext>
+            </a:extLst>
+          </a:blip>
+          <a:stretch>
+            <a:fillRect/>
+          </a:stretch>
+        </p:blipFill>
+        <p:spPr>
+          <a:xfrm>
+            <a:off x="6832051" y="5192331"/>
+            <a:ext cx="1075746" cy="1075746"/>
+          </a:xfrm>
+          <a:prstGeom prst="ellipse">
+            <a:avLst/>
+          </a:prstGeom>
+        </p:spPr>
+      </p:pic>
+      <p:sp>
+        <p:nvSpPr>
+          <p:cNvPr id="17" name="TextBox 16">
+            <a:extLst>
+              <a:ext uri="{FF2B5EF4-FFF2-40B4-BE49-F238E27FC236}">
+                <a16:creationId xmlns:a16="http://schemas.microsoft.com/office/drawing/2014/main" id="{18A8BFD0-C9DA-F371-A49B-9C8E4C967E16}"/>
+              </a:ext>
+            </a:extLst>
+          </p:cNvPr>
+          <p:cNvSpPr txBox="1"/>
+          <p:nvPr/>
+        </p:nvSpPr>
+        <p:spPr>
+          <a:xfrm>
+            <a:off x="6577778" y="6270061"/>
+            <a:ext cx="1622229" cy="226133"/>
+          </a:xfrm>
+          <a:prstGeom prst="rect">
+            <a:avLst/>
+          </a:prstGeom>
+          <a:noFill/>
+        </p:spPr>
+        <p:txBody>
+          <a:bodyPr wrap="square" rtlCol="0" anchor="ctr">
+            <a:noAutofit/>
+          </a:bodyPr>
+          <a:lstStyle/>
+          <a:p>
+            <a:pPr marL="0" marR="0" lvl="0" indent="0" algn="ctr" defTabSz="914400" rtl="0" eaLnBrk="1" fontAlgn="auto" latinLnBrk="0" hangingPunct="1">
+              <a:lnSpc>
+                <a:spcPct val="100000"/>
+              </a:lnSpc>
+              <a:spcBef>
+                <a:spcPts val="0"/>
+              </a:spcBef>
+              <a:spcAft>
+                <a:spcPts val="0"/>
+              </a:spcAft>
+              <a:buClrTx/>
+              <a:buSzTx/>
+              <a:buFontTx/>
+              <a:buNone/>
+              <a:tabLst/>
+              <a:defRPr/>
+            </a:pPr>
+            <a:r>
+              <a:rPr kumimoji="0" lang="en-US" sz="1050" b="1" i="0" u="none" strike="noStrike" kern="1200" cap="none" spc="0" normalizeH="0" baseline="0" noProof="0" dirty="0">
+                <a:ln>
+                  <a:noFill/>
+                </a:ln>
+                <a:effectLst/>
+                <a:uLnTx/>
+                <a:uFillTx/>
+                <a:latin typeface="Open Sans SemiBold" pitchFamily="2" charset="0"/>
+                <a:ea typeface="Open Sans SemiBold" pitchFamily="2" charset="0"/>
+                <a:cs typeface="Open Sans SemiBold" pitchFamily="2" charset="0"/>
+              </a:rPr>
+              <a:t>Sven Degroeve</a:t>
+            </a:r>
+            <a:endParaRPr kumimoji="0" lang="LID4096" sz="1050" b="1" i="0" u="none" strike="noStrike" kern="1200" cap="none" spc="0" normalizeH="0" baseline="0" noProof="0" dirty="0">
+              <a:ln>
+                <a:noFill/>
+              </a:ln>
+              <a:effectLst/>
+              <a:uLnTx/>
+              <a:uFillTx/>
+              <a:latin typeface="Open Sans SemiBold" pitchFamily="2" charset="0"/>
+              <a:ea typeface="Open Sans SemiBold" pitchFamily="2" charset="0"/>
+              <a:cs typeface="Open Sans SemiBold" pitchFamily="2" charset="0"/>
+            </a:endParaRPr>
+          </a:p>
+        </p:txBody>
+      </p:sp>
+    </p:spTree>
+    <p:extLst>
+      <p:ext uri="{BB962C8B-B14F-4D97-AF65-F5344CB8AC3E}">
+        <p14:creationId xmlns:p14="http://schemas.microsoft.com/office/powerpoint/2010/main" val="2581905949"/>
+      </p:ext>
+    </p:extLst>
+  </p:cSld>
+  <p:clrMapOvr>
+    <a:masterClrMapping/>
+  </p:clrMapOvr>
+</p:sld>
+</file>
+
+<file path=ppt/slides/slide4.xml><?xml version="1.0" encoding="utf-8"?>
+<p:sld xmlns:a="http://schemas.openxmlformats.org/drawingml/2006/main" xmlns:r="http://schemas.openxmlformats.org/officeDocument/2006/relationships" xmlns:p="http://schemas.openxmlformats.org/presentationml/2006/main">
+  <p:cSld>
+    <p:spTree>
+      <p:nvGrpSpPr>
+        <p:cNvPr id="1" name=""/>
+        <p:cNvGrpSpPr/>
+        <p:nvPr/>
+      </p:nvGrpSpPr>
+      <p:grpSpPr>
+        <a:xfrm>
+          <a:off x="0" y="0"/>
+          <a:ext cx="0" cy="0"/>
+          <a:chOff x="0" y="0"/>
+          <a:chExt cx="0" cy="0"/>
+        </a:xfrm>
+      </p:grpSpPr>
+      <p:grpSp>
+        <p:nvGrpSpPr>
+          <p:cNvPr id="8" name="Group 7">
+            <a:extLst>
+              <a:ext uri="{FF2B5EF4-FFF2-40B4-BE49-F238E27FC236}">
+                <a16:creationId xmlns:a16="http://schemas.microsoft.com/office/drawing/2014/main" id="{F1A814AB-F110-E9F2-90BB-8DB6BF223EE8}"/>
+              </a:ext>
+            </a:extLst>
+          </p:cNvPr>
+          <p:cNvGrpSpPr/>
+          <p:nvPr/>
+        </p:nvGrpSpPr>
+        <p:grpSpPr>
+          <a:xfrm>
+            <a:off x="7727157" y="313690"/>
+            <a:ext cx="6096000" cy="2913896"/>
+            <a:chOff x="7645877" y="1431290"/>
+            <a:chExt cx="6096000" cy="2913896"/>
+          </a:xfrm>
+        </p:grpSpPr>
+        <p:pic>
+          <p:nvPicPr>
+            <p:cNvPr id="7" name="Picture 6" descr="A qr code on a white background&#10;&#10;Description automatically generated">
+              <a:extLst>
+                <a:ext uri="{FF2B5EF4-FFF2-40B4-BE49-F238E27FC236}">
+                  <a16:creationId xmlns:a16="http://schemas.microsoft.com/office/drawing/2014/main" id="{E19533C9-8C1B-0E2C-3CF9-AA57FCBDB2DB}"/>
+                </a:ext>
+              </a:extLst>
+            </p:cNvPr>
+            <p:cNvPicPr>
+              <a:picLocks noChangeAspect="1"/>
+            </p:cNvPicPr>
+            <p:nvPr/>
+          </p:nvPicPr>
+          <p:blipFill>
+            <a:blip r:embed="rId2">
+              <a:extLst>
+                <a:ext uri="{28A0092B-C50C-407E-A947-70E740481C1C}">
+                  <a14:useLocalDpi xmlns:a14="http://schemas.microsoft.com/office/drawing/2010/main" val="0"/>
+                </a:ext>
+              </a:extLst>
+            </a:blip>
+            <a:stretch>
+              <a:fillRect/>
+            </a:stretch>
+          </p:blipFill>
+          <p:spPr>
+            <a:xfrm>
+              <a:off x="8294370" y="1431290"/>
+              <a:ext cx="2857500" cy="2857500"/>
+            </a:xfrm>
+            <a:prstGeom prst="rect">
+              <a:avLst/>
+            </a:prstGeom>
+          </p:spPr>
+        </p:pic>
+        <p:sp>
+          <p:nvSpPr>
+            <p:cNvPr id="5" name="TextBox 4">
+              <a:extLst>
+                <a:ext uri="{FF2B5EF4-FFF2-40B4-BE49-F238E27FC236}">
+                  <a16:creationId xmlns:a16="http://schemas.microsoft.com/office/drawing/2014/main" id="{A9A0E7E0-E5EE-EA42-F320-91B5E5F28900}"/>
+                </a:ext>
+              </a:extLst>
+            </p:cNvPr>
+            <p:cNvSpPr txBox="1"/>
+            <p:nvPr/>
+          </p:nvSpPr>
+          <p:spPr>
+            <a:xfrm>
+              <a:off x="7645877" y="3975854"/>
+              <a:ext cx="6096000" cy="369332"/>
+            </a:xfrm>
+            <a:prstGeom prst="rect">
+              <a:avLst/>
+            </a:prstGeom>
+            <a:noFill/>
+          </p:spPr>
+          <p:txBody>
+            <a:bodyPr wrap="square">
+              <a:spAutoFit/>
+            </a:bodyPr>
+            <a:lstStyle/>
+            <a:p>
+              <a:r>
+                <a:rPr lang="en-NL" dirty="0"/>
+                <a:t>github.com/</a:t>
+              </a:r>
+              <a:r>
+                <a:rPr lang="en-NL" dirty="0" err="1"/>
+                <a:t>compomics</a:t>
+              </a:r>
+              <a:r>
+                <a:rPr lang="en-NL" dirty="0"/>
+                <a:t>/ML-course-VIB-2024</a:t>
+              </a:r>
+            </a:p>
+          </p:txBody>
+        </p:sp>
+      </p:grpSp>
+      <p:pic>
+        <p:nvPicPr>
+          <p:cNvPr id="12" name="Picture 11" descr="A qr code on a white background&#10;&#10;Description automatically generated">
+            <a:extLst>
+              <a:ext uri="{FF2B5EF4-FFF2-40B4-BE49-F238E27FC236}">
+                <a16:creationId xmlns:a16="http://schemas.microsoft.com/office/drawing/2014/main" id="{E540D33B-0067-9C99-73FD-09F00B340B76}"/>
+              </a:ext>
+            </a:extLst>
+          </p:cNvPr>
+          <p:cNvPicPr>
+            <a:picLocks noChangeAspect="1"/>
+          </p:cNvPicPr>
+          <p:nvPr/>
+        </p:nvPicPr>
+        <p:blipFill>
+          <a:blip r:embed="rId3">
+            <a:extLst>
+              <a:ext uri="{28A0092B-C50C-407E-A947-70E740481C1C}">
+                <a14:useLocalDpi xmlns:a14="http://schemas.microsoft.com/office/drawing/2010/main" val="0"/>
+              </a:ext>
+            </a:extLst>
+          </a:blip>
+          <a:srcRect t="9307"/>
+          <a:stretch/>
+        </p:blipFill>
+        <p:spPr>
+          <a:xfrm>
+            <a:off x="8456930" y="3390146"/>
+            <a:ext cx="2857500" cy="2591554"/>
+          </a:xfrm>
+          <a:prstGeom prst="rect">
+            <a:avLst/>
+          </a:prstGeom>
+        </p:spPr>
+      </p:pic>
+      <p:pic>
+        <p:nvPicPr>
+          <p:cNvPr id="3" name="Picture 2">
+            <a:extLst>
+              <a:ext uri="{FF2B5EF4-FFF2-40B4-BE49-F238E27FC236}">
+                <a16:creationId xmlns:a16="http://schemas.microsoft.com/office/drawing/2014/main" id="{BE5FFAC2-8F45-9268-FAF9-0F2188F2A3F5}"/>
+              </a:ext>
+            </a:extLst>
+          </p:cNvPr>
+          <p:cNvPicPr>
+            <a:picLocks noChangeAspect="1"/>
+          </p:cNvPicPr>
+          <p:nvPr/>
+        </p:nvPicPr>
+        <p:blipFill>
+          <a:blip r:embed="rId4"/>
+          <a:stretch>
+            <a:fillRect/>
+          </a:stretch>
+        </p:blipFill>
+        <p:spPr>
+          <a:xfrm>
+            <a:off x="162018" y="848360"/>
+            <a:ext cx="7433059" cy="5161280"/>
+          </a:xfrm>
+          <a:prstGeom prst="rect">
+            <a:avLst/>
+          </a:prstGeom>
+        </p:spPr>
+      </p:pic>
+      <p:sp>
+        <p:nvSpPr>
+          <p:cNvPr id="10" name="TextBox 9">
+            <a:extLst>
+              <a:ext uri="{FF2B5EF4-FFF2-40B4-BE49-F238E27FC236}">
+                <a16:creationId xmlns:a16="http://schemas.microsoft.com/office/drawing/2014/main" id="{8DEF412F-3B21-4756-13AF-BED7AF1B9BD5}"/>
+              </a:ext>
+            </a:extLst>
+          </p:cNvPr>
+          <p:cNvSpPr txBox="1"/>
+          <p:nvPr/>
+        </p:nvSpPr>
+        <p:spPr>
+          <a:xfrm>
+            <a:off x="7727157" y="5658534"/>
+            <a:ext cx="6873240" cy="646331"/>
+          </a:xfrm>
+          <a:prstGeom prst="rect">
+            <a:avLst/>
+          </a:prstGeom>
+          <a:noFill/>
+        </p:spPr>
+        <p:txBody>
+          <a:bodyPr wrap="square">
+            <a:spAutoFit/>
+          </a:bodyPr>
+          <a:lstStyle/>
+          <a:p>
+            <a:r>
+              <a:rPr lang="en-NL" dirty="0"/>
+              <a:t>kaggle.com/competitions/</a:t>
+            </a:r>
+            <a:endParaRPr lang="en-US" dirty="0"/>
+          </a:p>
+          <a:p>
+            <a:r>
+              <a:rPr lang="en-NL" dirty="0"/>
+              <a:t>peptide-lc-retention-time-prediction</a:t>
+            </a:r>
+            <a:endParaRPr lang="en-US" dirty="0"/>
+          </a:p>
+        </p:txBody>
+      </p:sp>
+    </p:spTree>
+    <p:extLst>
+      <p:ext uri="{BB962C8B-B14F-4D97-AF65-F5344CB8AC3E}">
+        <p14:creationId xmlns:p14="http://schemas.microsoft.com/office/powerpoint/2010/main" val="879029159"/>
+      </p:ext>
+    </p:extLst>
+  </p:cSld>
+  <p:clrMapOvr>
+    <a:masterClrMapping/>
+  </p:clrMapOvr>
+</p:sld>
+</file>
+
+<file path=ppt/slides/slide5.xml><?xml version="1.0" encoding="utf-8"?>
+<p:sld xmlns:a="http://schemas.openxmlformats.org/drawingml/2006/main" xmlns:r="http://schemas.openxmlformats.org/officeDocument/2006/relationships" xmlns:p="http://schemas.openxmlformats.org/presentationml/2006/main">
+  <p:cSld>
+    <p:spTree>
+      <p:nvGrpSpPr>
+        <p:cNvPr id="1" name="">
+          <a:extLst>
+            <a:ext uri="{FF2B5EF4-FFF2-40B4-BE49-F238E27FC236}">
+              <a16:creationId xmlns:a16="http://schemas.microsoft.com/office/drawing/2014/main" id="{4E0A800B-B8DB-5888-4041-D62D0D9D58B2}"/>
+            </a:ext>
+          </a:extLst>
+        </p:cNvPr>
+        <p:cNvGrpSpPr/>
+        <p:nvPr/>
+      </p:nvGrpSpPr>
+      <p:grpSpPr>
+        <a:xfrm>
+          <a:off x="0" y="0"/>
+          <a:ext cx="0" cy="0"/>
+          <a:chOff x="0" y="0"/>
+          <a:chExt cx="0" cy="0"/>
+        </a:xfrm>
+      </p:grpSpPr>
+      <p:sp>
+        <p:nvSpPr>
+          <p:cNvPr id="5" name="TextBox 4">
+            <a:extLst>
+              <a:ext uri="{FF2B5EF4-FFF2-40B4-BE49-F238E27FC236}">
+                <a16:creationId xmlns:a16="http://schemas.microsoft.com/office/drawing/2014/main" id="{9173B5CA-144A-04F8-25DF-C73ADD8D4BAD}"/>
+              </a:ext>
+            </a:extLst>
+          </p:cNvPr>
+          <p:cNvSpPr txBox="1"/>
+          <p:nvPr/>
+        </p:nvSpPr>
+        <p:spPr>
+          <a:xfrm>
+            <a:off x="241301" y="129804"/>
+            <a:ext cx="11747500" cy="523220"/>
+          </a:xfrm>
+          <a:prstGeom prst="rect">
+            <a:avLst/>
+          </a:prstGeom>
+          <a:noFill/>
+        </p:spPr>
+        <p:txBody>
+          <a:bodyPr wrap="square" rtlCol="0">
+            <a:spAutoFit/>
+          </a:bodyPr>
+          <a:lstStyle/>
+          <a:p>
+            <a:r>
+              <a:rPr lang="en-GB" sz="2800" dirty="0">
+                <a:latin typeface="+mj-lt"/>
+                <a:ea typeface="Lato" panose="020B0604020202020204" pitchFamily="34" charset="0"/>
+                <a:cs typeface="Helvetica" panose="020B0604020202020204" pitchFamily="34" charset="0"/>
+              </a:rPr>
+              <a:t>Machine learning was coined in 1958 by Arthur Samuel</a:t>
+            </a:r>
+          </a:p>
+        </p:txBody>
+      </p:sp>
+      <p:sp>
+        <p:nvSpPr>
+          <p:cNvPr id="4" name="TextBox 3">
+            <a:extLst>
+              <a:ext uri="{FF2B5EF4-FFF2-40B4-BE49-F238E27FC236}">
+                <a16:creationId xmlns:a16="http://schemas.microsoft.com/office/drawing/2014/main" id="{62507225-6384-F90B-C1D7-4C970D58957A}"/>
+              </a:ext>
+            </a:extLst>
+          </p:cNvPr>
+          <p:cNvSpPr txBox="1"/>
+          <p:nvPr/>
+        </p:nvSpPr>
+        <p:spPr>
+          <a:xfrm>
+            <a:off x="1251797" y="1404376"/>
+            <a:ext cx="9324642" cy="1569660"/>
+          </a:xfrm>
+          <a:prstGeom prst="rect">
+            <a:avLst/>
+          </a:prstGeom>
+          <a:noFill/>
+        </p:spPr>
+        <p:txBody>
+          <a:bodyPr wrap="square" rtlCol="0">
+            <a:spAutoFit/>
+          </a:bodyPr>
+          <a:lstStyle/>
+          <a:p>
+            <a:r>
+              <a:rPr lang="en-US" sz="3200" i="1" dirty="0"/>
+              <a:t>“field of study that gives computers the ability to learn without being explicitly programmed.”</a:t>
+            </a:r>
+          </a:p>
+          <a:p>
+            <a:r>
+              <a:rPr lang="en-US" sz="3200" b="1" i="1" dirty="0"/>
+              <a:t>Arthur Samuel - 1958</a:t>
+            </a:r>
+            <a:endParaRPr lang="en-NL" sz="3200" b="1" i="1" dirty="0"/>
+          </a:p>
+        </p:txBody>
+      </p:sp>
+      <mc:AlternateContent xmlns:mc="http://schemas.openxmlformats.org/markup-compatibility/2006" xmlns:a14="http://schemas.microsoft.com/office/drawing/2010/main">
+        <mc:Choice Requires="a14">
+          <p:sp>
+            <p:nvSpPr>
+              <p:cNvPr id="7" name="TextBox 6">
+                <a:extLst>
+                  <a:ext uri="{FF2B5EF4-FFF2-40B4-BE49-F238E27FC236}">
+                    <a16:creationId xmlns:a16="http://schemas.microsoft.com/office/drawing/2014/main" id="{9F154ED7-5677-5398-A9ED-BE7A7CD40634}"/>
+                  </a:ext>
+                </a:extLst>
+              </p:cNvPr>
+              <p:cNvSpPr txBox="1"/>
+              <p:nvPr/>
+            </p:nvSpPr>
+            <p:spPr>
+              <a:xfrm>
+                <a:off x="1251796" y="3485061"/>
+                <a:ext cx="9688408" cy="2554545"/>
+              </a:xfrm>
+              <a:prstGeom prst="rect">
+                <a:avLst/>
+              </a:prstGeom>
+              <a:noFill/>
+            </p:spPr>
+            <p:txBody>
+              <a:bodyPr wrap="square">
+                <a:spAutoFit/>
+              </a:bodyPr>
+              <a:lstStyle/>
+              <a:p>
+                <a:r>
+                  <a:rPr lang="en-US" sz="3200" dirty="0"/>
+                  <a:t>“A computer program is said to learn from experience E with respect to some class of tasks T and performance measure P, if its performance at tasks in T, as measured by P, improves with experience E. ~ </a:t>
+                </a:r>
+                <a14:m>
+                  <m:oMath xmlns:m="http://schemas.openxmlformats.org/officeDocument/2006/math">
+                    <m:r>
+                      <a:rPr lang="en-US" sz="3200" b="0" i="1" smtClean="0">
+                        <a:latin typeface="Cambria Math" panose="02040503050406030204" pitchFamily="18" charset="0"/>
+                      </a:rPr>
+                      <m:t>𝑃</m:t>
+                    </m:r>
+                    <m:r>
+                      <a:rPr lang="en-US" sz="3200" b="0" i="1" smtClean="0">
+                        <a:latin typeface="Cambria Math" panose="02040503050406030204" pitchFamily="18" charset="0"/>
+                      </a:rPr>
+                      <m:t>(</m:t>
+                    </m:r>
+                    <m:r>
+                      <a:rPr lang="en-US" sz="3200" b="0" i="1" smtClean="0">
+                        <a:latin typeface="Cambria Math" panose="02040503050406030204" pitchFamily="18" charset="0"/>
+                      </a:rPr>
+                      <m:t>𝑇</m:t>
+                    </m:r>
+                    <m:r>
+                      <a:rPr lang="en-US" sz="3200" b="0" i="1" smtClean="0">
+                        <a:latin typeface="Cambria Math" panose="02040503050406030204" pitchFamily="18" charset="0"/>
+                      </a:rPr>
+                      <m:t>,</m:t>
+                    </m:r>
+                    <m:r>
+                      <a:rPr lang="en-US" sz="3200" b="0" i="1" smtClean="0">
+                        <a:latin typeface="Cambria Math" panose="02040503050406030204" pitchFamily="18" charset="0"/>
+                      </a:rPr>
+                      <m:t>𝐸</m:t>
+                    </m:r>
+                    <m:r>
+                      <a:rPr lang="en-US" sz="3200" b="0" i="1" smtClean="0">
+                        <a:latin typeface="Cambria Math" panose="02040503050406030204" pitchFamily="18" charset="0"/>
+                      </a:rPr>
+                      <m:t>)</m:t>
+                    </m:r>
+                  </m:oMath>
+                </a14:m>
+                <a:r>
+                  <a:rPr lang="en-US" sz="3200" dirty="0"/>
+                  <a:t>”</a:t>
+                </a:r>
+              </a:p>
+              <a:p>
+                <a:r>
+                  <a:rPr lang="en-US" sz="3200" b="1" i="1" dirty="0"/>
+                  <a:t>Tom M. Mitchell - 1997</a:t>
+                </a:r>
+                <a:endParaRPr lang="en-NL" sz="3200" b="1" i="1" dirty="0"/>
+              </a:p>
+            </p:txBody>
+          </p:sp>
+        </mc:Choice>
+        <mc:Fallback xmlns="">
+          <p:sp>
+            <p:nvSpPr>
+              <p:cNvPr id="7" name="TextBox 6">
+                <a:extLst>
+                  <a:ext uri="{FF2B5EF4-FFF2-40B4-BE49-F238E27FC236}">
+                    <a16:creationId xmlns:a16="http://schemas.microsoft.com/office/drawing/2014/main" id="{9F154ED7-5677-5398-A9ED-BE7A7CD40634}"/>
+                  </a:ext>
+                </a:extLst>
+              </p:cNvPr>
+              <p:cNvSpPr txBox="1">
+                <a:spLocks noRot="1" noChangeAspect="1" noMove="1" noResize="1" noEditPoints="1" noAdjustHandles="1" noChangeArrowheads="1" noChangeShapeType="1" noTextEdit="1"/>
+              </p:cNvSpPr>
+              <p:nvPr/>
+            </p:nvSpPr>
+            <p:spPr>
+              <a:xfrm>
+                <a:off x="1251796" y="3485061"/>
+                <a:ext cx="9688408" cy="2554545"/>
+              </a:xfrm>
+              <a:prstGeom prst="rect">
+                <a:avLst/>
+              </a:prstGeom>
+              <a:blipFill>
+                <a:blip r:embed="rId2"/>
+                <a:stretch>
+                  <a:fillRect l="-1572" t="-3103" b="-6921"/>
+                </a:stretch>
+              </a:blipFill>
+            </p:spPr>
+            <p:txBody>
+              <a:bodyPr/>
+              <a:lstStyle/>
+              <a:p>
+                <a:r>
+                  <a:rPr lang="en-NL">
+                    <a:noFill/>
+                  </a:rPr>
+                  <a:t> </a:t>
+                </a:r>
+              </a:p>
+            </p:txBody>
+          </p:sp>
+        </mc:Fallback>
+      </mc:AlternateContent>
+    </p:spTree>
+    <p:extLst>
+      <p:ext uri="{BB962C8B-B14F-4D97-AF65-F5344CB8AC3E}">
+        <p14:creationId xmlns:p14="http://schemas.microsoft.com/office/powerpoint/2010/main" val="4094409220"/>
+      </p:ext>
+    </p:extLst>
+  </p:cSld>
+  <p:clrMapOvr>
+    <a:masterClrMapping/>
+  </p:clrMapOvr>
+</p:sld>
+</file>
+
+<file path=ppt/slides/slide6.xml><?xml version="1.0" encoding="utf-8"?>
 <p:sld xmlns:a="http://schemas.openxmlformats.org/drawingml/2006/main" xmlns:r="http://schemas.openxmlformats.org/officeDocument/2006/relationships" xmlns:p="http://schemas.openxmlformats.org/presentationml/2006/main">
   <p:cSld>
     <p:spTree>
@@ -7075,7 +9643,7 @@
 </p:sld>
 </file>
 
-<file path=ppt/slides/slide3.xml><?xml version="1.0" encoding="utf-8"?>
+<file path=ppt/slides/slide7.xml><?xml version="1.0" encoding="utf-8"?>
 <p:sld xmlns:a="http://schemas.openxmlformats.org/drawingml/2006/main" xmlns:r="http://schemas.openxmlformats.org/officeDocument/2006/relationships" xmlns:p="http://schemas.openxmlformats.org/presentationml/2006/main">
   <p:cSld>
     <p:spTree>
@@ -7185,7 +9753,7 @@
 </p:sld>
 </file>
 
-<file path=ppt/slides/slide4.xml><?xml version="1.0" encoding="utf-8"?>
+<file path=ppt/slides/slide8.xml><?xml version="1.0" encoding="utf-8"?>
 <p:sld xmlns:a="http://schemas.openxmlformats.org/drawingml/2006/main" xmlns:r="http://schemas.openxmlformats.org/officeDocument/2006/relationships" xmlns:p="http://schemas.openxmlformats.org/presentationml/2006/main">
   <p:cSld>
     <p:spTree>
@@ -7367,7 +9935,7 @@
 </p:sld>
 </file>
 
-<file path=ppt/slides/slide5.xml><?xml version="1.0" encoding="utf-8"?>
+<file path=ppt/slides/slide9.xml><?xml version="1.0" encoding="utf-8"?>
 <p:sld xmlns:a="http://schemas.openxmlformats.org/drawingml/2006/main" xmlns:r="http://schemas.openxmlformats.org/officeDocument/2006/relationships" xmlns:p="http://schemas.openxmlformats.org/presentationml/2006/main">
   <p:cSld>
     <p:spTree>
@@ -7506,884 +10074,6 @@
     <p:extLst>
       <p:ext uri="{BB962C8B-B14F-4D97-AF65-F5344CB8AC3E}">
         <p14:creationId xmlns:p14="http://schemas.microsoft.com/office/powerpoint/2010/main" val="3955424956"/>
-      </p:ext>
-    </p:extLst>
-  </p:cSld>
-  <p:clrMapOvr>
-    <a:masterClrMapping/>
-  </p:clrMapOvr>
-</p:sld>
-</file>
-
-<file path=ppt/slides/slide6.xml><?xml version="1.0" encoding="utf-8"?>
-<p:sld xmlns:a="http://schemas.openxmlformats.org/drawingml/2006/main" xmlns:r="http://schemas.openxmlformats.org/officeDocument/2006/relationships" xmlns:p="http://schemas.openxmlformats.org/presentationml/2006/main">
-  <p:cSld>
-    <p:spTree>
-      <p:nvGrpSpPr>
-        <p:cNvPr id="1" name=""/>
-        <p:cNvGrpSpPr/>
-        <p:nvPr/>
-      </p:nvGrpSpPr>
-      <p:grpSpPr>
-        <a:xfrm>
-          <a:off x="0" y="0"/>
-          <a:ext cx="0" cy="0"/>
-          <a:chOff x="0" y="0"/>
-          <a:chExt cx="0" cy="0"/>
-        </a:xfrm>
-      </p:grpSpPr>
-      <p:sp>
-        <p:nvSpPr>
-          <p:cNvPr id="5" name="TextBox 4"/>
-          <p:cNvSpPr txBox="1"/>
-          <p:nvPr/>
-        </p:nvSpPr>
-        <p:spPr>
-          <a:xfrm>
-            <a:off x="665480" y="5152430"/>
-            <a:ext cx="7021389" cy="923330"/>
-          </a:xfrm>
-          <a:prstGeom prst="rect">
-            <a:avLst/>
-          </a:prstGeom>
-          <a:noFill/>
-        </p:spPr>
-        <p:txBody>
-          <a:bodyPr wrap="square" rtlCol="0">
-            <a:spAutoFit/>
-          </a:bodyPr>
-          <a:lstStyle/>
-          <a:p>
-            <a:r>
-              <a:rPr lang="en-GB" dirty="0">
-                <a:latin typeface="Calibri" panose="020F0502020204030204" pitchFamily="34" charset="0"/>
-              </a:rPr>
-              <a:t>feature: eccentricity of lesion (</a:t>
-            </a:r>
-            <a:r>
-              <a:rPr lang="en-US" dirty="0"/>
-              <a:t>how nearly circular the lesion is)</a:t>
-            </a:r>
-            <a:endParaRPr lang="en-GB" dirty="0">
-              <a:latin typeface="Calibri" panose="020F0502020204030204" pitchFamily="34" charset="0"/>
-            </a:endParaRPr>
-          </a:p>
-          <a:p>
-            <a:pPr marL="285750" indent="-285750">
-              <a:buFont typeface="Courier New" panose="02070309020205020404" pitchFamily="49" charset="0"/>
-              <a:buChar char="o"/>
-            </a:pPr>
-            <a:endParaRPr lang="en-GB" dirty="0">
-              <a:latin typeface="Calibri" panose="020F0502020204030204" pitchFamily="34" charset="0"/>
-            </a:endParaRPr>
-          </a:p>
-          <a:p>
-            <a:r>
-              <a:rPr lang="en-GB" dirty="0">
-                <a:latin typeface="Calibri" panose="020F0502020204030204" pitchFamily="34" charset="0"/>
-              </a:rPr>
-              <a:t>model: threshold </a:t>
-            </a:r>
-            <a:r>
-              <a:rPr lang="en-GB" b="1" i="1" dirty="0">
-                <a:latin typeface="Calibri" panose="020F0502020204030204" pitchFamily="34" charset="0"/>
-              </a:rPr>
-              <a:t>t</a:t>
-            </a:r>
-          </a:p>
-        </p:txBody>
-      </p:sp>
-      <p:sp>
-        <p:nvSpPr>
-          <p:cNvPr id="6" name="TextBox 5">
-            <a:extLst>
-              <a:ext uri="{FF2B5EF4-FFF2-40B4-BE49-F238E27FC236}">
-                <a16:creationId xmlns:a16="http://schemas.microsoft.com/office/drawing/2014/main" id="{68443D0D-8496-2DA2-7478-793026AF98D0}"/>
-              </a:ext>
-            </a:extLst>
-          </p:cNvPr>
-          <p:cNvSpPr txBox="1"/>
-          <p:nvPr/>
-        </p:nvSpPr>
-        <p:spPr>
-          <a:xfrm>
-            <a:off x="241301" y="129804"/>
-            <a:ext cx="11747500" cy="523220"/>
-          </a:xfrm>
-          <a:prstGeom prst="rect">
-            <a:avLst/>
-          </a:prstGeom>
-          <a:noFill/>
-        </p:spPr>
-        <p:txBody>
-          <a:bodyPr wrap="square" rtlCol="0">
-            <a:spAutoFit/>
-          </a:bodyPr>
-          <a:lstStyle/>
-          <a:p>
-            <a:r>
-              <a:rPr lang="en-US" sz="2800" dirty="0">
-                <a:latin typeface="+mj-lt"/>
-                <a:ea typeface="Lato" panose="020B0604020202020204" pitchFamily="34" charset="0"/>
-                <a:cs typeface="Helvetica" panose="020B0604020202020204" pitchFamily="34" charset="0"/>
-              </a:rPr>
-              <a:t>classification: the model</a:t>
-            </a:r>
-            <a:endParaRPr lang="en-GB" sz="2800" dirty="0">
-              <a:latin typeface="+mj-lt"/>
-              <a:ea typeface="Lato" panose="020B0604020202020204" pitchFamily="34" charset="0"/>
-              <a:cs typeface="Helvetica" panose="020B0604020202020204" pitchFamily="34" charset="0"/>
-            </a:endParaRPr>
-          </a:p>
-        </p:txBody>
-      </p:sp>
-      <p:pic>
-        <p:nvPicPr>
-          <p:cNvPr id="10" name="Picture 9" descr="Chart, histogram&#10;&#10;Description automatically generated">
-            <a:extLst>
-              <a:ext uri="{FF2B5EF4-FFF2-40B4-BE49-F238E27FC236}">
-                <a16:creationId xmlns:a16="http://schemas.microsoft.com/office/drawing/2014/main" id="{7B8BDCAF-AD1F-6E30-5E10-FB87AB07CE29}"/>
-              </a:ext>
-            </a:extLst>
-          </p:cNvPr>
-          <p:cNvPicPr>
-            <a:picLocks noChangeAspect="1"/>
-          </p:cNvPicPr>
-          <p:nvPr/>
-        </p:nvPicPr>
-        <p:blipFill>
-          <a:blip r:embed="rId2">
-            <a:extLst>
-              <a:ext uri="{28A0092B-C50C-407E-A947-70E740481C1C}">
-                <a14:useLocalDpi xmlns:a14="http://schemas.microsoft.com/office/drawing/2010/main" val="0"/>
-              </a:ext>
-            </a:extLst>
-          </a:blip>
-          <a:stretch>
-            <a:fillRect/>
-          </a:stretch>
-        </p:blipFill>
-        <p:spPr>
-          <a:xfrm>
-            <a:off x="1211324" y="872755"/>
-            <a:ext cx="4151384" cy="4059944"/>
-          </a:xfrm>
-          <a:prstGeom prst="rect">
-            <a:avLst/>
-          </a:prstGeom>
-        </p:spPr>
-      </p:pic>
-    </p:spTree>
-    <p:extLst>
-      <p:ext uri="{BB962C8B-B14F-4D97-AF65-F5344CB8AC3E}">
-        <p14:creationId xmlns:p14="http://schemas.microsoft.com/office/powerpoint/2010/main" val="3806002295"/>
-      </p:ext>
-    </p:extLst>
-  </p:cSld>
-  <p:clrMapOvr>
-    <a:masterClrMapping/>
-  </p:clrMapOvr>
-</p:sld>
-</file>
-
-<file path=ppt/slides/slide7.xml><?xml version="1.0" encoding="utf-8"?>
-<p:sld xmlns:a="http://schemas.openxmlformats.org/drawingml/2006/main" xmlns:r="http://schemas.openxmlformats.org/officeDocument/2006/relationships" xmlns:p="http://schemas.openxmlformats.org/presentationml/2006/main">
-  <p:cSld>
-    <p:spTree>
-      <p:nvGrpSpPr>
-        <p:cNvPr id="1" name=""/>
-        <p:cNvGrpSpPr/>
-        <p:nvPr/>
-      </p:nvGrpSpPr>
-      <p:grpSpPr>
-        <a:xfrm>
-          <a:off x="0" y="0"/>
-          <a:ext cx="0" cy="0"/>
-          <a:chOff x="0" y="0"/>
-          <a:chExt cx="0" cy="0"/>
-        </a:xfrm>
-      </p:grpSpPr>
-      <p:sp>
-        <p:nvSpPr>
-          <p:cNvPr id="5" name="TextBox 4"/>
-          <p:cNvSpPr txBox="1"/>
-          <p:nvPr/>
-        </p:nvSpPr>
-        <p:spPr>
-          <a:xfrm>
-            <a:off x="665480" y="5152430"/>
-            <a:ext cx="7021389" cy="1200329"/>
-          </a:xfrm>
-          <a:prstGeom prst="rect">
-            <a:avLst/>
-          </a:prstGeom>
-          <a:noFill/>
-        </p:spPr>
-        <p:txBody>
-          <a:bodyPr wrap="square" rtlCol="0">
-            <a:spAutoFit/>
-          </a:bodyPr>
-          <a:lstStyle/>
-          <a:p>
-            <a:r>
-              <a:rPr lang="en-GB" dirty="0">
-                <a:latin typeface="Calibri" panose="020F0502020204030204" pitchFamily="34" charset="0"/>
-              </a:rPr>
-              <a:t>feature: eccentricity of lesion (</a:t>
-            </a:r>
-            <a:r>
-              <a:rPr lang="en-US" dirty="0"/>
-              <a:t>how nearly circular the lesion is)</a:t>
-            </a:r>
-            <a:endParaRPr lang="en-GB" dirty="0">
-              <a:latin typeface="Calibri" panose="020F0502020204030204" pitchFamily="34" charset="0"/>
-            </a:endParaRPr>
-          </a:p>
-          <a:p>
-            <a:pPr marL="285750" indent="-285750">
-              <a:buFont typeface="Courier New" panose="02070309020205020404" pitchFamily="49" charset="0"/>
-              <a:buChar char="o"/>
-            </a:pPr>
-            <a:endParaRPr lang="en-GB" dirty="0">
-              <a:latin typeface="Calibri" panose="020F0502020204030204" pitchFamily="34" charset="0"/>
-            </a:endParaRPr>
-          </a:p>
-          <a:p>
-            <a:r>
-              <a:rPr lang="en-GB" dirty="0">
-                <a:latin typeface="Calibri" panose="020F0502020204030204" pitchFamily="34" charset="0"/>
-              </a:rPr>
-              <a:t>model: threshold </a:t>
-            </a:r>
-            <a:r>
-              <a:rPr lang="en-GB" b="1" i="1" dirty="0">
-                <a:latin typeface="Calibri" panose="020F0502020204030204" pitchFamily="34" charset="0"/>
-              </a:rPr>
-              <a:t>t: </a:t>
-            </a:r>
-            <a:r>
-              <a:rPr lang="nl-NL" dirty="0" err="1">
-                <a:latin typeface="Calibri" panose="020F0502020204030204" pitchFamily="34" charset="0"/>
-              </a:rPr>
-              <a:t>consequence</a:t>
-            </a:r>
-            <a:r>
-              <a:rPr lang="nl-NL" dirty="0">
-                <a:latin typeface="Calibri" panose="020F0502020204030204" pitchFamily="34" charset="0"/>
-              </a:rPr>
-              <a:t> of </a:t>
-            </a:r>
-            <a:r>
-              <a:rPr lang="nl-NL" dirty="0" err="1">
-                <a:latin typeface="Calibri" panose="020F0502020204030204" pitchFamily="34" charset="0"/>
-              </a:rPr>
-              <a:t>the</a:t>
-            </a:r>
-            <a:r>
-              <a:rPr lang="nl-NL" dirty="0">
-                <a:latin typeface="Calibri" panose="020F0502020204030204" pitchFamily="34" charset="0"/>
-              </a:rPr>
-              <a:t> </a:t>
-            </a:r>
-            <a:r>
-              <a:rPr lang="nl-NL" dirty="0" err="1">
-                <a:latin typeface="Calibri" panose="020F0502020204030204" pitchFamily="34" charset="0"/>
-              </a:rPr>
-              <a:t>predictions</a:t>
-            </a:r>
-            <a:endParaRPr lang="en-GB" b="1" i="1" dirty="0">
-              <a:latin typeface="Calibri" panose="020F0502020204030204" pitchFamily="34" charset="0"/>
-            </a:endParaRPr>
-          </a:p>
-          <a:p>
-            <a:pPr marL="285750" indent="-285750">
-              <a:buFont typeface="Courier New" panose="02070309020205020404" pitchFamily="49" charset="0"/>
-              <a:buChar char="o"/>
-            </a:pPr>
-            <a:endParaRPr lang="en-GB" dirty="0">
-              <a:latin typeface="Calibri" panose="020F0502020204030204" pitchFamily="34" charset="0"/>
-            </a:endParaRPr>
-          </a:p>
-        </p:txBody>
-      </p:sp>
-      <p:sp>
-        <p:nvSpPr>
-          <p:cNvPr id="6" name="TextBox 5">
-            <a:extLst>
-              <a:ext uri="{FF2B5EF4-FFF2-40B4-BE49-F238E27FC236}">
-                <a16:creationId xmlns:a16="http://schemas.microsoft.com/office/drawing/2014/main" id="{68443D0D-8496-2DA2-7478-793026AF98D0}"/>
-              </a:ext>
-            </a:extLst>
-          </p:cNvPr>
-          <p:cNvSpPr txBox="1"/>
-          <p:nvPr/>
-        </p:nvSpPr>
-        <p:spPr>
-          <a:xfrm>
-            <a:off x="241301" y="129804"/>
-            <a:ext cx="11747500" cy="523220"/>
-          </a:xfrm>
-          <a:prstGeom prst="rect">
-            <a:avLst/>
-          </a:prstGeom>
-          <a:noFill/>
-        </p:spPr>
-        <p:txBody>
-          <a:bodyPr wrap="square" rtlCol="0">
-            <a:spAutoFit/>
-          </a:bodyPr>
-          <a:lstStyle/>
-          <a:p>
-            <a:r>
-              <a:rPr lang="en-US" sz="2800" dirty="0">
-                <a:latin typeface="+mj-lt"/>
-                <a:ea typeface="Lato" panose="020B0604020202020204" pitchFamily="34" charset="0"/>
-                <a:cs typeface="Helvetica" panose="020B0604020202020204" pitchFamily="34" charset="0"/>
-              </a:rPr>
-              <a:t>classification: the model</a:t>
-            </a:r>
-            <a:endParaRPr lang="en-GB" sz="2800" dirty="0">
-              <a:latin typeface="+mj-lt"/>
-              <a:ea typeface="Lato" panose="020B0604020202020204" pitchFamily="34" charset="0"/>
-              <a:cs typeface="Helvetica" panose="020B0604020202020204" pitchFamily="34" charset="0"/>
-            </a:endParaRPr>
-          </a:p>
-        </p:txBody>
-      </p:sp>
-      <p:pic>
-        <p:nvPicPr>
-          <p:cNvPr id="10" name="Picture 9" descr="Chart, histogram&#10;&#10;Description automatically generated">
-            <a:extLst>
-              <a:ext uri="{FF2B5EF4-FFF2-40B4-BE49-F238E27FC236}">
-                <a16:creationId xmlns:a16="http://schemas.microsoft.com/office/drawing/2014/main" id="{7B8BDCAF-AD1F-6E30-5E10-FB87AB07CE29}"/>
-              </a:ext>
-            </a:extLst>
-          </p:cNvPr>
-          <p:cNvPicPr>
-            <a:picLocks noChangeAspect="1"/>
-          </p:cNvPicPr>
-          <p:nvPr/>
-        </p:nvPicPr>
-        <p:blipFill>
-          <a:blip r:embed="rId2">
-            <a:extLst>
-              <a:ext uri="{28A0092B-C50C-407E-A947-70E740481C1C}">
-                <a14:useLocalDpi xmlns:a14="http://schemas.microsoft.com/office/drawing/2010/main" val="0"/>
-              </a:ext>
-            </a:extLst>
-          </a:blip>
-          <a:stretch>
-            <a:fillRect/>
-          </a:stretch>
-        </p:blipFill>
-        <p:spPr>
-          <a:xfrm>
-            <a:off x="1211324" y="872755"/>
-            <a:ext cx="4151384" cy="4059944"/>
-          </a:xfrm>
-          <a:prstGeom prst="rect">
-            <a:avLst/>
-          </a:prstGeom>
-        </p:spPr>
-      </p:pic>
-      <p:pic>
-        <p:nvPicPr>
-          <p:cNvPr id="12" name="Picture 11" descr="Chart, histogram&#10;&#10;Description automatically generated">
-            <a:extLst>
-              <a:ext uri="{FF2B5EF4-FFF2-40B4-BE49-F238E27FC236}">
-                <a16:creationId xmlns:a16="http://schemas.microsoft.com/office/drawing/2014/main" id="{C2758BCC-D9CA-3B75-854E-ADF5B1E81BA9}"/>
-              </a:ext>
-            </a:extLst>
-          </p:cNvPr>
-          <p:cNvPicPr>
-            <a:picLocks noChangeAspect="1"/>
-          </p:cNvPicPr>
-          <p:nvPr/>
-        </p:nvPicPr>
-        <p:blipFill>
-          <a:blip r:embed="rId3">
-            <a:extLst>
-              <a:ext uri="{28A0092B-C50C-407E-A947-70E740481C1C}">
-                <a14:useLocalDpi xmlns:a14="http://schemas.microsoft.com/office/drawing/2010/main" val="0"/>
-              </a:ext>
-            </a:extLst>
-          </a:blip>
-          <a:stretch>
-            <a:fillRect/>
-          </a:stretch>
-        </p:blipFill>
-        <p:spPr>
-          <a:xfrm>
-            <a:off x="6474953" y="872755"/>
-            <a:ext cx="4151384" cy="4059944"/>
-          </a:xfrm>
-          <a:prstGeom prst="rect">
-            <a:avLst/>
-          </a:prstGeom>
-        </p:spPr>
-      </p:pic>
-    </p:spTree>
-    <p:extLst>
-      <p:ext uri="{BB962C8B-B14F-4D97-AF65-F5344CB8AC3E}">
-        <p14:creationId xmlns:p14="http://schemas.microsoft.com/office/powerpoint/2010/main" val="2671981957"/>
-      </p:ext>
-    </p:extLst>
-  </p:cSld>
-  <p:clrMapOvr>
-    <a:masterClrMapping/>
-  </p:clrMapOvr>
-</p:sld>
-</file>
-
-<file path=ppt/slides/slide8.xml><?xml version="1.0" encoding="utf-8"?>
-<p:sld xmlns:a="http://schemas.openxmlformats.org/drawingml/2006/main" xmlns:r="http://schemas.openxmlformats.org/officeDocument/2006/relationships" xmlns:p="http://schemas.openxmlformats.org/presentationml/2006/main">
-  <p:cSld>
-    <p:spTree>
-      <p:nvGrpSpPr>
-        <p:cNvPr id="1" name=""/>
-        <p:cNvGrpSpPr/>
-        <p:nvPr/>
-      </p:nvGrpSpPr>
-      <p:grpSpPr>
-        <a:xfrm>
-          <a:off x="0" y="0"/>
-          <a:ext cx="0" cy="0"/>
-          <a:chOff x="0" y="0"/>
-          <a:chExt cx="0" cy="0"/>
-        </a:xfrm>
-      </p:grpSpPr>
-      <p:sp>
-        <p:nvSpPr>
-          <p:cNvPr id="6" name="TextBox 5"/>
-          <p:cNvSpPr txBox="1"/>
-          <p:nvPr/>
-        </p:nvSpPr>
-        <p:spPr>
-          <a:xfrm>
-            <a:off x="504283" y="1145742"/>
-            <a:ext cx="4394200" cy="923330"/>
-          </a:xfrm>
-          <a:prstGeom prst="rect">
-            <a:avLst/>
-          </a:prstGeom>
-          <a:noFill/>
-        </p:spPr>
-        <p:txBody>
-          <a:bodyPr wrap="square" rtlCol="0">
-            <a:spAutoFit/>
-          </a:bodyPr>
-          <a:lstStyle/>
-          <a:p>
-            <a:r>
-              <a:rPr lang="en-GB" dirty="0">
-                <a:latin typeface="Calibri" panose="020F0502020204030204" pitchFamily="34" charset="0"/>
-              </a:rPr>
-              <a:t>malignant: </a:t>
-            </a:r>
-            <a:r>
-              <a:rPr lang="en-GB" b="1" dirty="0">
-                <a:latin typeface="Calibri" panose="020F0502020204030204" pitchFamily="34" charset="0"/>
-              </a:rPr>
-              <a:t>positive</a:t>
-            </a:r>
-            <a:r>
-              <a:rPr lang="en-GB" dirty="0">
-                <a:latin typeface="Calibri" panose="020F0502020204030204" pitchFamily="34" charset="0"/>
-              </a:rPr>
-              <a:t> class </a:t>
-            </a:r>
-          </a:p>
-          <a:p>
-            <a:r>
-              <a:rPr lang="en-GB" dirty="0">
-                <a:latin typeface="Calibri" panose="020F0502020204030204" pitchFamily="34" charset="0"/>
-              </a:rPr>
-              <a:t>benign:  </a:t>
-            </a:r>
-            <a:r>
-              <a:rPr lang="en-GB" b="1" dirty="0">
-                <a:latin typeface="Calibri" panose="020F0502020204030204" pitchFamily="34" charset="0"/>
-              </a:rPr>
-              <a:t>negative</a:t>
-            </a:r>
-            <a:r>
-              <a:rPr lang="en-GB" dirty="0">
-                <a:latin typeface="Calibri" panose="020F0502020204030204" pitchFamily="34" charset="0"/>
-              </a:rPr>
-              <a:t> class</a:t>
-            </a:r>
-          </a:p>
-          <a:p>
-            <a:pPr marL="285750" indent="-285750">
-              <a:buFont typeface="Courier New" panose="02070309020205020404" pitchFamily="49" charset="0"/>
-              <a:buChar char="o"/>
-            </a:pPr>
-            <a:endParaRPr lang="en-GB" dirty="0">
-              <a:latin typeface="Calibri" panose="020F0502020204030204" pitchFamily="34" charset="0"/>
-            </a:endParaRPr>
-          </a:p>
-        </p:txBody>
-      </p:sp>
-      <p:pic>
-        <p:nvPicPr>
-          <p:cNvPr id="8" name="Picture 7"/>
-          <p:cNvPicPr>
-            <a:picLocks noChangeAspect="1"/>
-          </p:cNvPicPr>
-          <p:nvPr/>
-        </p:nvPicPr>
-        <p:blipFill>
-          <a:blip r:embed="rId3"/>
-          <a:stretch>
-            <a:fillRect/>
-          </a:stretch>
-        </p:blipFill>
-        <p:spPr>
-          <a:xfrm>
-            <a:off x="366712" y="2172266"/>
-            <a:ext cx="7343775" cy="1476375"/>
-          </a:xfrm>
-          <a:prstGeom prst="rect">
-            <a:avLst/>
-          </a:prstGeom>
-        </p:spPr>
-      </p:pic>
-      <p:pic>
-        <p:nvPicPr>
-          <p:cNvPr id="1026" name="Picture 2" descr="http://i.imgur.com/hftkt.png"/>
-          <p:cNvPicPr>
-            <a:picLocks noChangeAspect="1" noChangeArrowheads="1"/>
-          </p:cNvPicPr>
-          <p:nvPr/>
-        </p:nvPicPr>
-        <p:blipFill>
-          <a:blip r:embed="rId4">
-            <a:extLst>
-              <a:ext uri="{28A0092B-C50C-407E-A947-70E740481C1C}">
-                <a14:useLocalDpi xmlns:a14="http://schemas.microsoft.com/office/drawing/2010/main" val="0"/>
-              </a:ext>
-            </a:extLst>
-          </a:blip>
-          <a:srcRect/>
-          <a:stretch>
-            <a:fillRect/>
-          </a:stretch>
-        </p:blipFill>
-        <p:spPr bwMode="auto">
-          <a:xfrm>
-            <a:off x="1481294" y="3855030"/>
-            <a:ext cx="4972369" cy="2482587"/>
-          </a:xfrm>
-          <a:prstGeom prst="rect">
-            <a:avLst/>
-          </a:prstGeom>
-          <a:noFill/>
-          <a:extLst>
-            <a:ext uri="{909E8E84-426E-40DD-AFC4-6F175D3DCCD1}">
-              <a14:hiddenFill xmlns:a14="http://schemas.microsoft.com/office/drawing/2010/main">
-                <a:solidFill>
-                  <a:srgbClr val="FFFFFF"/>
-                </a:solidFill>
-              </a14:hiddenFill>
-            </a:ext>
-          </a:extLst>
-        </p:spPr>
-      </p:pic>
-      <p:sp>
-        <p:nvSpPr>
-          <p:cNvPr id="2" name="TextBox 1">
-            <a:extLst>
-              <a:ext uri="{FF2B5EF4-FFF2-40B4-BE49-F238E27FC236}">
-                <a16:creationId xmlns:a16="http://schemas.microsoft.com/office/drawing/2014/main" id="{9E5BA004-DC5A-2EFD-C268-8B5127259DD0}"/>
-              </a:ext>
-            </a:extLst>
-          </p:cNvPr>
-          <p:cNvSpPr txBox="1"/>
-          <p:nvPr/>
-        </p:nvSpPr>
-        <p:spPr>
-          <a:xfrm>
-            <a:off x="241301" y="129804"/>
-            <a:ext cx="11747500" cy="523220"/>
-          </a:xfrm>
-          <a:prstGeom prst="rect">
-            <a:avLst/>
-          </a:prstGeom>
-          <a:noFill/>
-        </p:spPr>
-        <p:txBody>
-          <a:bodyPr wrap="square" rtlCol="0">
-            <a:spAutoFit/>
-          </a:bodyPr>
-          <a:lstStyle/>
-          <a:p>
-            <a:r>
-              <a:rPr lang="en-US" sz="2800" dirty="0">
-                <a:latin typeface="+mj-lt"/>
-                <a:ea typeface="Lato" panose="020B0604020202020204" pitchFamily="34" charset="0"/>
-                <a:cs typeface="Helvetica" panose="020B0604020202020204" pitchFamily="34" charset="0"/>
-              </a:rPr>
-              <a:t>classification: prediction errors</a:t>
-            </a:r>
-            <a:endParaRPr lang="en-GB" sz="2800" dirty="0">
-              <a:latin typeface="+mj-lt"/>
-              <a:ea typeface="Lato" panose="020B0604020202020204" pitchFamily="34" charset="0"/>
-              <a:cs typeface="Helvetica" panose="020B0604020202020204" pitchFamily="34" charset="0"/>
-            </a:endParaRPr>
-          </a:p>
-        </p:txBody>
-      </p:sp>
-      <p:pic>
-        <p:nvPicPr>
-          <p:cNvPr id="3" name="Picture 2" descr="Chart, histogram&#10;&#10;Description automatically generated">
-            <a:extLst>
-              <a:ext uri="{FF2B5EF4-FFF2-40B4-BE49-F238E27FC236}">
-                <a16:creationId xmlns:a16="http://schemas.microsoft.com/office/drawing/2014/main" id="{965FACA2-9E14-E8B3-1C83-CFFA2B782E45}"/>
-              </a:ext>
-            </a:extLst>
-          </p:cNvPr>
-          <p:cNvPicPr>
-            <a:picLocks noChangeAspect="1"/>
-          </p:cNvPicPr>
-          <p:nvPr/>
-        </p:nvPicPr>
-        <p:blipFill>
-          <a:blip r:embed="rId5">
-            <a:extLst>
-              <a:ext uri="{28A0092B-C50C-407E-A947-70E740481C1C}">
-                <a14:useLocalDpi xmlns:a14="http://schemas.microsoft.com/office/drawing/2010/main" val="0"/>
-              </a:ext>
-            </a:extLst>
-          </a:blip>
-          <a:stretch>
-            <a:fillRect/>
-          </a:stretch>
-        </p:blipFill>
-        <p:spPr>
-          <a:xfrm>
-            <a:off x="7874885" y="1374887"/>
-            <a:ext cx="3812832" cy="3728849"/>
-          </a:xfrm>
-          <a:prstGeom prst="rect">
-            <a:avLst/>
-          </a:prstGeom>
-        </p:spPr>
-      </p:pic>
-    </p:spTree>
-    <p:extLst>
-      <p:ext uri="{BB962C8B-B14F-4D97-AF65-F5344CB8AC3E}">
-        <p14:creationId xmlns:p14="http://schemas.microsoft.com/office/powerpoint/2010/main" val="1513397527"/>
-      </p:ext>
-    </p:extLst>
-  </p:cSld>
-  <p:clrMapOvr>
-    <a:masterClrMapping/>
-  </p:clrMapOvr>
-</p:sld>
-</file>
-
-<file path=ppt/slides/slide9.xml><?xml version="1.0" encoding="utf-8"?>
-<p:sld xmlns:a="http://schemas.openxmlformats.org/drawingml/2006/main" xmlns:r="http://schemas.openxmlformats.org/officeDocument/2006/relationships" xmlns:p="http://schemas.openxmlformats.org/presentationml/2006/main">
-  <p:cSld>
-    <p:spTree>
-      <p:nvGrpSpPr>
-        <p:cNvPr id="1" name=""/>
-        <p:cNvGrpSpPr/>
-        <p:nvPr/>
-      </p:nvGrpSpPr>
-      <p:grpSpPr>
-        <a:xfrm>
-          <a:off x="0" y="0"/>
-          <a:ext cx="0" cy="0"/>
-          <a:chOff x="0" y="0"/>
-          <a:chExt cx="0" cy="0"/>
-        </a:xfrm>
-      </p:grpSpPr>
-      <p:pic>
-        <p:nvPicPr>
-          <p:cNvPr id="2" name="Picture 2" descr="http://i.imgur.com/hftkt.png"/>
-          <p:cNvPicPr>
-            <a:picLocks noChangeAspect="1" noChangeArrowheads="1"/>
-          </p:cNvPicPr>
-          <p:nvPr/>
-        </p:nvPicPr>
-        <p:blipFill>
-          <a:blip r:embed="rId3">
-            <a:extLst>
-              <a:ext uri="{28A0092B-C50C-407E-A947-70E740481C1C}">
-                <a14:useLocalDpi xmlns:a14="http://schemas.microsoft.com/office/drawing/2010/main" val="0"/>
-              </a:ext>
-            </a:extLst>
-          </a:blip>
-          <a:srcRect/>
-          <a:stretch>
-            <a:fillRect/>
-          </a:stretch>
-        </p:blipFill>
-        <p:spPr bwMode="auto">
-          <a:xfrm>
-            <a:off x="412431" y="2188790"/>
-            <a:ext cx="4972369" cy="2482587"/>
-          </a:xfrm>
-          <a:prstGeom prst="rect">
-            <a:avLst/>
-          </a:prstGeom>
-          <a:noFill/>
-          <a:extLst>
-            <a:ext uri="{909E8E84-426E-40DD-AFC4-6F175D3DCCD1}">
-              <a14:hiddenFill xmlns:a14="http://schemas.microsoft.com/office/drawing/2010/main">
-                <a:solidFill>
-                  <a:srgbClr val="FFFFFF"/>
-                </a:solidFill>
-              </a14:hiddenFill>
-            </a:ext>
-          </a:extLst>
-        </p:spPr>
-      </p:pic>
-      <p:pic>
-        <p:nvPicPr>
-          <p:cNvPr id="4" name="Picture 3"/>
-          <p:cNvPicPr>
-            <a:picLocks noChangeAspect="1"/>
-          </p:cNvPicPr>
-          <p:nvPr/>
-        </p:nvPicPr>
-        <p:blipFill>
-          <a:blip r:embed="rId4"/>
-          <a:stretch>
-            <a:fillRect/>
-          </a:stretch>
-        </p:blipFill>
-        <p:spPr>
-          <a:xfrm>
-            <a:off x="6681152" y="1888752"/>
-            <a:ext cx="3076575" cy="600075"/>
-          </a:xfrm>
-          <a:prstGeom prst="rect">
-            <a:avLst/>
-          </a:prstGeom>
-        </p:spPr>
-      </p:pic>
-      <p:pic>
-        <p:nvPicPr>
-          <p:cNvPr id="5" name="Picture 4"/>
-          <p:cNvPicPr>
-            <a:picLocks noChangeAspect="1"/>
-          </p:cNvPicPr>
-          <p:nvPr/>
-        </p:nvPicPr>
-        <p:blipFill>
-          <a:blip r:embed="rId5"/>
-          <a:stretch>
-            <a:fillRect/>
-          </a:stretch>
-        </p:blipFill>
-        <p:spPr>
-          <a:xfrm>
-            <a:off x="7125652" y="3126422"/>
-            <a:ext cx="1933575" cy="523875"/>
-          </a:xfrm>
-          <a:prstGeom prst="rect">
-            <a:avLst/>
-          </a:prstGeom>
-        </p:spPr>
-      </p:pic>
-      <p:pic>
-        <p:nvPicPr>
-          <p:cNvPr id="6" name="Picture 5"/>
-          <p:cNvPicPr>
-            <a:picLocks noChangeAspect="1"/>
-          </p:cNvPicPr>
-          <p:nvPr/>
-        </p:nvPicPr>
-        <p:blipFill>
-          <a:blip r:embed="rId6"/>
-          <a:stretch>
-            <a:fillRect/>
-          </a:stretch>
-        </p:blipFill>
-        <p:spPr>
-          <a:xfrm>
-            <a:off x="6994207" y="3830320"/>
-            <a:ext cx="1952625" cy="609600"/>
-          </a:xfrm>
-          <a:prstGeom prst="rect">
-            <a:avLst/>
-          </a:prstGeom>
-        </p:spPr>
-      </p:pic>
-      <p:pic>
-        <p:nvPicPr>
-          <p:cNvPr id="3" name="Picture 2"/>
-          <p:cNvPicPr>
-            <a:picLocks noChangeAspect="1"/>
-          </p:cNvPicPr>
-          <p:nvPr/>
-        </p:nvPicPr>
-        <p:blipFill>
-          <a:blip r:embed="rId7"/>
-          <a:stretch>
-            <a:fillRect/>
-          </a:stretch>
-        </p:blipFill>
-        <p:spPr>
-          <a:xfrm>
-            <a:off x="7885641" y="3904502"/>
-            <a:ext cx="962032" cy="547692"/>
-          </a:xfrm>
-          <a:prstGeom prst="rect">
-            <a:avLst/>
-          </a:prstGeom>
-        </p:spPr>
-      </p:pic>
-      <p:sp>
-        <p:nvSpPr>
-          <p:cNvPr id="7" name="TextBox 6">
-            <a:extLst>
-              <a:ext uri="{FF2B5EF4-FFF2-40B4-BE49-F238E27FC236}">
-                <a16:creationId xmlns:a16="http://schemas.microsoft.com/office/drawing/2014/main" id="{4D7E4FDD-B32C-DC19-7E6D-C9D87548C9D8}"/>
-              </a:ext>
-            </a:extLst>
-          </p:cNvPr>
-          <p:cNvSpPr txBox="1"/>
-          <p:nvPr/>
-        </p:nvSpPr>
-        <p:spPr>
-          <a:xfrm>
-            <a:off x="241301" y="129804"/>
-            <a:ext cx="11747500" cy="523220"/>
-          </a:xfrm>
-          <a:prstGeom prst="rect">
-            <a:avLst/>
-          </a:prstGeom>
-          <a:noFill/>
-        </p:spPr>
-        <p:txBody>
-          <a:bodyPr wrap="square" rtlCol="0">
-            <a:spAutoFit/>
-          </a:bodyPr>
-          <a:lstStyle/>
-          <a:p>
-            <a:r>
-              <a:rPr lang="en-US" sz="2800" dirty="0">
-                <a:latin typeface="+mj-lt"/>
-                <a:ea typeface="Lato" panose="020B0604020202020204" pitchFamily="34" charset="0"/>
-                <a:cs typeface="Helvetica" panose="020B0604020202020204" pitchFamily="34" charset="0"/>
-              </a:rPr>
-              <a:t>classification: prediction errors</a:t>
-            </a:r>
-            <a:endParaRPr lang="en-GB" sz="2800" dirty="0">
-              <a:latin typeface="+mj-lt"/>
-              <a:ea typeface="Lato" panose="020B0604020202020204" pitchFamily="34" charset="0"/>
-              <a:cs typeface="Helvetica" panose="020B0604020202020204" pitchFamily="34" charset="0"/>
-            </a:endParaRPr>
-          </a:p>
-        </p:txBody>
-      </p:sp>
-    </p:spTree>
-    <p:extLst>
-      <p:ext uri="{BB962C8B-B14F-4D97-AF65-F5344CB8AC3E}">
-        <p14:creationId xmlns:p14="http://schemas.microsoft.com/office/powerpoint/2010/main" val="2171976932"/>
       </p:ext>
     </p:extLst>
   </p:cSld>
